--- a/PPT/Class period 13.pptx
+++ b/PPT/Class period 13.pptx
@@ -207,9 +207,9 @@
             </a:lvl1pPr>
           </a:lstStyle>
           <a:p>
-            <a:fld id="{3AF2DEEF-40EA-4691-9685-E6624FC22FB4}" type="datetimeFigureOut">
+            <a:fld id="{AD2D837E-970B-49BC-8FC8-CC02BED0D0EA}" type="datetimeFigureOut">
               <a:rPr lang="en-US" smtClean="0"/>
-              <a:t>4/20/2024</a:t>
+              <a:t>5/15/2024</a:t>
             </a:fld>
             <a:endParaRPr lang="en-US"/>
           </a:p>
@@ -365,7 +365,7 @@
             </a:lvl1pPr>
           </a:lstStyle>
           <a:p>
-            <a:fld id="{33AC5BFA-FF50-4D7B-889E-576A32113956}" type="slidenum">
+            <a:fld id="{E2456B39-B557-454F-806B-02D04D27F731}" type="slidenum">
               <a:rPr lang="en-US" smtClean="0"/>
               <a:t>‹#›</a:t>
             </a:fld>
@@ -376,7 +376,7 @@
     </p:spTree>
     <p:extLst>
       <p:ext uri="{BB962C8B-B14F-4D97-AF65-F5344CB8AC3E}">
-        <p14:creationId xmlns:p14="http://schemas.microsoft.com/office/powerpoint/2010/main" val="497226538"/>
+        <p14:creationId xmlns:p14="http://schemas.microsoft.com/office/powerpoint/2010/main" val="214541214"/>
       </p:ext>
     </p:extLst>
   </p:cSld>
@@ -582,7 +582,7 @@
           <p:cNvPr id="2" name="Title 1">
             <a:extLst>
               <a:ext uri="{FF2B5EF4-FFF2-40B4-BE49-F238E27FC236}">
-                <a16:creationId xmlns:a16="http://schemas.microsoft.com/office/drawing/2014/main" id="{65AD62E7-3699-3C21-543E-2F967580EC80}"/>
+                <a16:creationId xmlns:a16="http://schemas.microsoft.com/office/drawing/2014/main" id="{74ADE468-F14A-6866-0657-7A467B3E0FC4}"/>
               </a:ext>
             </a:extLst>
           </p:cNvPr>
@@ -619,7 +619,7 @@
           <p:cNvPr id="3" name="Subtitle 2">
             <a:extLst>
               <a:ext uri="{FF2B5EF4-FFF2-40B4-BE49-F238E27FC236}">
-                <a16:creationId xmlns:a16="http://schemas.microsoft.com/office/drawing/2014/main" id="{3040BF1E-F3F8-C610-3361-788FCDDD086B}"/>
+                <a16:creationId xmlns:a16="http://schemas.microsoft.com/office/drawing/2014/main" id="{BEDC0DD0-8F21-42FA-0492-2AA612C22B79}"/>
               </a:ext>
             </a:extLst>
           </p:cNvPr>
@@ -689,7 +689,7 @@
           <p:cNvPr id="4" name="Date Placeholder 3">
             <a:extLst>
               <a:ext uri="{FF2B5EF4-FFF2-40B4-BE49-F238E27FC236}">
-                <a16:creationId xmlns:a16="http://schemas.microsoft.com/office/drawing/2014/main" id="{58F14D4D-18C1-8FDD-4DCC-B830A0C073C0}"/>
+                <a16:creationId xmlns:a16="http://schemas.microsoft.com/office/drawing/2014/main" id="{3382D21F-9E82-D7CA-F034-372AF2CC2377}"/>
               </a:ext>
             </a:extLst>
           </p:cNvPr>
@@ -705,9 +705,9 @@
           <a:bodyPr/>
           <a:lstStyle/>
           <a:p>
-            <a:fld id="{47160A7B-5FB2-40C5-B386-9D2918FC8E85}" type="datetimeFigureOut">
+            <a:fld id="{85B19880-3AD0-459B-91CD-E0E8712E89EE}" type="datetimeFigureOut">
               <a:rPr lang="en-US" smtClean="0"/>
-              <a:t>4/20/2024</a:t>
+              <a:t>5/15/2024</a:t>
             </a:fld>
             <a:endParaRPr lang="en-US"/>
           </a:p>
@@ -718,7 +718,7 @@
           <p:cNvPr id="5" name="Footer Placeholder 4">
             <a:extLst>
               <a:ext uri="{FF2B5EF4-FFF2-40B4-BE49-F238E27FC236}">
-                <a16:creationId xmlns:a16="http://schemas.microsoft.com/office/drawing/2014/main" id="{074B9286-E28F-4597-B50C-64E921D0040E}"/>
+                <a16:creationId xmlns:a16="http://schemas.microsoft.com/office/drawing/2014/main" id="{F4AAD04D-84F6-6F62-C4D9-54D95532F625}"/>
               </a:ext>
             </a:extLst>
           </p:cNvPr>
@@ -743,7 +743,7 @@
           <p:cNvPr id="6" name="Slide Number Placeholder 5">
             <a:extLst>
               <a:ext uri="{FF2B5EF4-FFF2-40B4-BE49-F238E27FC236}">
-                <a16:creationId xmlns:a16="http://schemas.microsoft.com/office/drawing/2014/main" id="{C6D10879-A0C6-D1E1-3EC4-522896C3D019}"/>
+                <a16:creationId xmlns:a16="http://schemas.microsoft.com/office/drawing/2014/main" id="{7190139D-96B5-ED88-494B-0497384D6562}"/>
               </a:ext>
             </a:extLst>
           </p:cNvPr>
@@ -759,7 +759,7 @@
           <a:bodyPr/>
           <a:lstStyle/>
           <a:p>
-            <a:fld id="{93CE651E-63E4-4DC9-92D8-1C4BFDAC5324}" type="slidenum">
+            <a:fld id="{C2E140A4-2371-4814-9877-CD63D79A8A30}" type="slidenum">
               <a:rPr lang="en-US" smtClean="0"/>
               <a:t>‹#›</a:t>
             </a:fld>
@@ -770,7 +770,7 @@
     </p:spTree>
     <p:extLst>
       <p:ext uri="{BB962C8B-B14F-4D97-AF65-F5344CB8AC3E}">
-        <p14:creationId xmlns:p14="http://schemas.microsoft.com/office/powerpoint/2010/main" val="969288024"/>
+        <p14:creationId xmlns:p14="http://schemas.microsoft.com/office/powerpoint/2010/main" val="3244937475"/>
       </p:ext>
     </p:extLst>
   </p:cSld>
@@ -802,7 +802,7 @@
           <p:cNvPr id="2" name="Title 1">
             <a:extLst>
               <a:ext uri="{FF2B5EF4-FFF2-40B4-BE49-F238E27FC236}">
-                <a16:creationId xmlns:a16="http://schemas.microsoft.com/office/drawing/2014/main" id="{12067D97-7672-9041-AB77-81ABBE1C6D46}"/>
+                <a16:creationId xmlns:a16="http://schemas.microsoft.com/office/drawing/2014/main" id="{8EE2CB4A-54E2-8F94-4C45-F8A10A969188}"/>
               </a:ext>
             </a:extLst>
           </p:cNvPr>
@@ -830,7 +830,7 @@
           <p:cNvPr id="3" name="Vertical Text Placeholder 2">
             <a:extLst>
               <a:ext uri="{FF2B5EF4-FFF2-40B4-BE49-F238E27FC236}">
-                <a16:creationId xmlns:a16="http://schemas.microsoft.com/office/drawing/2014/main" id="{A35231B6-7053-5A16-C119-9560737FC98A}"/>
+                <a16:creationId xmlns:a16="http://schemas.microsoft.com/office/drawing/2014/main" id="{5F6E0E63-B3EE-F94E-1BED-F61AF79B9435}"/>
               </a:ext>
             </a:extLst>
           </p:cNvPr>
@@ -887,7 +887,7 @@
           <p:cNvPr id="4" name="Date Placeholder 3">
             <a:extLst>
               <a:ext uri="{FF2B5EF4-FFF2-40B4-BE49-F238E27FC236}">
-                <a16:creationId xmlns:a16="http://schemas.microsoft.com/office/drawing/2014/main" id="{71D6D114-7983-A361-A670-05611219FAEC}"/>
+                <a16:creationId xmlns:a16="http://schemas.microsoft.com/office/drawing/2014/main" id="{E2A74A01-4139-7D12-B391-DCE65202E1F7}"/>
               </a:ext>
             </a:extLst>
           </p:cNvPr>
@@ -903,9 +903,9 @@
           <a:bodyPr/>
           <a:lstStyle/>
           <a:p>
-            <a:fld id="{47160A7B-5FB2-40C5-B386-9D2918FC8E85}" type="datetimeFigureOut">
+            <a:fld id="{85B19880-3AD0-459B-91CD-E0E8712E89EE}" type="datetimeFigureOut">
               <a:rPr lang="en-US" smtClean="0"/>
-              <a:t>4/20/2024</a:t>
+              <a:t>5/15/2024</a:t>
             </a:fld>
             <a:endParaRPr lang="en-US"/>
           </a:p>
@@ -916,7 +916,7 @@
           <p:cNvPr id="5" name="Footer Placeholder 4">
             <a:extLst>
               <a:ext uri="{FF2B5EF4-FFF2-40B4-BE49-F238E27FC236}">
-                <a16:creationId xmlns:a16="http://schemas.microsoft.com/office/drawing/2014/main" id="{2309F2DB-8F15-55F0-7AC4-E5E506515E37}"/>
+                <a16:creationId xmlns:a16="http://schemas.microsoft.com/office/drawing/2014/main" id="{FC8E2FD1-4A9B-64D7-2096-AEFDC9188689}"/>
               </a:ext>
             </a:extLst>
           </p:cNvPr>
@@ -941,7 +941,7 @@
           <p:cNvPr id="6" name="Slide Number Placeholder 5">
             <a:extLst>
               <a:ext uri="{FF2B5EF4-FFF2-40B4-BE49-F238E27FC236}">
-                <a16:creationId xmlns:a16="http://schemas.microsoft.com/office/drawing/2014/main" id="{14002528-62E0-68E4-E5F3-D0515986E886}"/>
+                <a16:creationId xmlns:a16="http://schemas.microsoft.com/office/drawing/2014/main" id="{4489050E-066F-14DC-71BC-BC472F81D361}"/>
               </a:ext>
             </a:extLst>
           </p:cNvPr>
@@ -957,7 +957,7 @@
           <a:bodyPr/>
           <a:lstStyle/>
           <a:p>
-            <a:fld id="{93CE651E-63E4-4DC9-92D8-1C4BFDAC5324}" type="slidenum">
+            <a:fld id="{C2E140A4-2371-4814-9877-CD63D79A8A30}" type="slidenum">
               <a:rPr lang="en-US" smtClean="0"/>
               <a:t>‹#›</a:t>
             </a:fld>
@@ -968,7 +968,7 @@
     </p:spTree>
     <p:extLst>
       <p:ext uri="{BB962C8B-B14F-4D97-AF65-F5344CB8AC3E}">
-        <p14:creationId xmlns:p14="http://schemas.microsoft.com/office/powerpoint/2010/main" val="2930647442"/>
+        <p14:creationId xmlns:p14="http://schemas.microsoft.com/office/powerpoint/2010/main" val="3699394930"/>
       </p:ext>
     </p:extLst>
   </p:cSld>
@@ -1000,7 +1000,7 @@
           <p:cNvPr id="2" name="Vertical Title 1">
             <a:extLst>
               <a:ext uri="{FF2B5EF4-FFF2-40B4-BE49-F238E27FC236}">
-                <a16:creationId xmlns:a16="http://schemas.microsoft.com/office/drawing/2014/main" id="{72AFC96C-6B85-967B-C1F2-07FCC6E2264C}"/>
+                <a16:creationId xmlns:a16="http://schemas.microsoft.com/office/drawing/2014/main" id="{56F8B658-79F2-F0F3-5461-C7BB2FEF4E2E}"/>
               </a:ext>
             </a:extLst>
           </p:cNvPr>
@@ -1033,7 +1033,7 @@
           <p:cNvPr id="3" name="Vertical Text Placeholder 2">
             <a:extLst>
               <a:ext uri="{FF2B5EF4-FFF2-40B4-BE49-F238E27FC236}">
-                <a16:creationId xmlns:a16="http://schemas.microsoft.com/office/drawing/2014/main" id="{330284A0-C2DF-1701-E009-C7DAED3AF674}"/>
+                <a16:creationId xmlns:a16="http://schemas.microsoft.com/office/drawing/2014/main" id="{8342836F-1C61-8B18-48B0-B0260FB1B983}"/>
               </a:ext>
             </a:extLst>
           </p:cNvPr>
@@ -1095,7 +1095,7 @@
           <p:cNvPr id="4" name="Date Placeholder 3">
             <a:extLst>
               <a:ext uri="{FF2B5EF4-FFF2-40B4-BE49-F238E27FC236}">
-                <a16:creationId xmlns:a16="http://schemas.microsoft.com/office/drawing/2014/main" id="{55A2E2E8-870A-4C1E-8B11-8FBF2375C1BB}"/>
+                <a16:creationId xmlns:a16="http://schemas.microsoft.com/office/drawing/2014/main" id="{70632998-0ECA-5A43-54F5-9C5C23328AF6}"/>
               </a:ext>
             </a:extLst>
           </p:cNvPr>
@@ -1111,9 +1111,9 @@
           <a:bodyPr/>
           <a:lstStyle/>
           <a:p>
-            <a:fld id="{47160A7B-5FB2-40C5-B386-9D2918FC8E85}" type="datetimeFigureOut">
+            <a:fld id="{85B19880-3AD0-459B-91CD-E0E8712E89EE}" type="datetimeFigureOut">
               <a:rPr lang="en-US" smtClean="0"/>
-              <a:t>4/20/2024</a:t>
+              <a:t>5/15/2024</a:t>
             </a:fld>
             <a:endParaRPr lang="en-US"/>
           </a:p>
@@ -1124,7 +1124,7 @@
           <p:cNvPr id="5" name="Footer Placeholder 4">
             <a:extLst>
               <a:ext uri="{FF2B5EF4-FFF2-40B4-BE49-F238E27FC236}">
-                <a16:creationId xmlns:a16="http://schemas.microsoft.com/office/drawing/2014/main" id="{3E451844-0C86-614E-0676-BDCE517A514D}"/>
+                <a16:creationId xmlns:a16="http://schemas.microsoft.com/office/drawing/2014/main" id="{A5DF68FB-46BB-D058-41A8-1F7EB2FE691F}"/>
               </a:ext>
             </a:extLst>
           </p:cNvPr>
@@ -1149,7 +1149,7 @@
           <p:cNvPr id="6" name="Slide Number Placeholder 5">
             <a:extLst>
               <a:ext uri="{FF2B5EF4-FFF2-40B4-BE49-F238E27FC236}">
-                <a16:creationId xmlns:a16="http://schemas.microsoft.com/office/drawing/2014/main" id="{9B8B4552-5A12-3174-6574-FECDDDD9A0F3}"/>
+                <a16:creationId xmlns:a16="http://schemas.microsoft.com/office/drawing/2014/main" id="{360173E0-3A7B-74BA-F53B-E36D745A87B6}"/>
               </a:ext>
             </a:extLst>
           </p:cNvPr>
@@ -1165,7 +1165,7 @@
           <a:bodyPr/>
           <a:lstStyle/>
           <a:p>
-            <a:fld id="{93CE651E-63E4-4DC9-92D8-1C4BFDAC5324}" type="slidenum">
+            <a:fld id="{C2E140A4-2371-4814-9877-CD63D79A8A30}" type="slidenum">
               <a:rPr lang="en-US" smtClean="0"/>
               <a:t>‹#›</a:t>
             </a:fld>
@@ -1176,7 +1176,7 @@
     </p:spTree>
     <p:extLst>
       <p:ext uri="{BB962C8B-B14F-4D97-AF65-F5344CB8AC3E}">
-        <p14:creationId xmlns:p14="http://schemas.microsoft.com/office/powerpoint/2010/main" val="1236426042"/>
+        <p14:creationId xmlns:p14="http://schemas.microsoft.com/office/powerpoint/2010/main" val="3927645850"/>
       </p:ext>
     </p:extLst>
   </p:cSld>
@@ -1208,7 +1208,7 @@
           <p:cNvPr id="2" name="Title 1">
             <a:extLst>
               <a:ext uri="{FF2B5EF4-FFF2-40B4-BE49-F238E27FC236}">
-                <a16:creationId xmlns:a16="http://schemas.microsoft.com/office/drawing/2014/main" id="{D421F29F-BDCC-054D-F25A-DA886C933324}"/>
+                <a16:creationId xmlns:a16="http://schemas.microsoft.com/office/drawing/2014/main" id="{3A62BDAB-69E6-8656-B3E3-B16AEDF9D196}"/>
               </a:ext>
             </a:extLst>
           </p:cNvPr>
@@ -1236,7 +1236,7 @@
           <p:cNvPr id="3" name="Content Placeholder 2">
             <a:extLst>
               <a:ext uri="{FF2B5EF4-FFF2-40B4-BE49-F238E27FC236}">
-                <a16:creationId xmlns:a16="http://schemas.microsoft.com/office/drawing/2014/main" id="{ADAC4FB2-9B0B-FCCB-600E-21344826A8FF}"/>
+                <a16:creationId xmlns:a16="http://schemas.microsoft.com/office/drawing/2014/main" id="{5C2354D0-397D-C877-D93B-154B9DE5E52A}"/>
               </a:ext>
             </a:extLst>
           </p:cNvPr>
@@ -1293,7 +1293,7 @@
           <p:cNvPr id="4" name="Date Placeholder 3">
             <a:extLst>
               <a:ext uri="{FF2B5EF4-FFF2-40B4-BE49-F238E27FC236}">
-                <a16:creationId xmlns:a16="http://schemas.microsoft.com/office/drawing/2014/main" id="{32FCEF03-F8CD-985B-DDE5-D00854D3B4A5}"/>
+                <a16:creationId xmlns:a16="http://schemas.microsoft.com/office/drawing/2014/main" id="{2A5C1257-8295-000D-E166-888B1A9388E8}"/>
               </a:ext>
             </a:extLst>
           </p:cNvPr>
@@ -1309,9 +1309,9 @@
           <a:bodyPr/>
           <a:lstStyle/>
           <a:p>
-            <a:fld id="{47160A7B-5FB2-40C5-B386-9D2918FC8E85}" type="datetimeFigureOut">
+            <a:fld id="{85B19880-3AD0-459B-91CD-E0E8712E89EE}" type="datetimeFigureOut">
               <a:rPr lang="en-US" smtClean="0"/>
-              <a:t>4/20/2024</a:t>
+              <a:t>5/15/2024</a:t>
             </a:fld>
             <a:endParaRPr lang="en-US"/>
           </a:p>
@@ -1322,7 +1322,7 @@
           <p:cNvPr id="5" name="Footer Placeholder 4">
             <a:extLst>
               <a:ext uri="{FF2B5EF4-FFF2-40B4-BE49-F238E27FC236}">
-                <a16:creationId xmlns:a16="http://schemas.microsoft.com/office/drawing/2014/main" id="{17B5FF09-C1F8-4CB2-D5A8-3F38F9B3C8A8}"/>
+                <a16:creationId xmlns:a16="http://schemas.microsoft.com/office/drawing/2014/main" id="{76C96D90-054E-3F44-6B7B-37EE79B2C5AD}"/>
               </a:ext>
             </a:extLst>
           </p:cNvPr>
@@ -1347,7 +1347,7 @@
           <p:cNvPr id="6" name="Slide Number Placeholder 5">
             <a:extLst>
               <a:ext uri="{FF2B5EF4-FFF2-40B4-BE49-F238E27FC236}">
-                <a16:creationId xmlns:a16="http://schemas.microsoft.com/office/drawing/2014/main" id="{56117A06-CD9A-3601-8ACD-AD2207DF1949}"/>
+                <a16:creationId xmlns:a16="http://schemas.microsoft.com/office/drawing/2014/main" id="{222FCCA0-FE82-B5B7-9BEC-6F4818131BD1}"/>
               </a:ext>
             </a:extLst>
           </p:cNvPr>
@@ -1363,7 +1363,7 @@
           <a:bodyPr/>
           <a:lstStyle/>
           <a:p>
-            <a:fld id="{93CE651E-63E4-4DC9-92D8-1C4BFDAC5324}" type="slidenum">
+            <a:fld id="{C2E140A4-2371-4814-9877-CD63D79A8A30}" type="slidenum">
               <a:rPr lang="en-US" smtClean="0"/>
               <a:t>‹#›</a:t>
             </a:fld>
@@ -1374,7 +1374,7 @@
     </p:spTree>
     <p:extLst>
       <p:ext uri="{BB962C8B-B14F-4D97-AF65-F5344CB8AC3E}">
-        <p14:creationId xmlns:p14="http://schemas.microsoft.com/office/powerpoint/2010/main" val="965376504"/>
+        <p14:creationId xmlns:p14="http://schemas.microsoft.com/office/powerpoint/2010/main" val="3070043625"/>
       </p:ext>
     </p:extLst>
   </p:cSld>
@@ -1406,7 +1406,7 @@
           <p:cNvPr id="2" name="Title 1">
             <a:extLst>
               <a:ext uri="{FF2B5EF4-FFF2-40B4-BE49-F238E27FC236}">
-                <a16:creationId xmlns:a16="http://schemas.microsoft.com/office/drawing/2014/main" id="{B04B3EB4-8D6F-A468-8D31-F54764B313F1}"/>
+                <a16:creationId xmlns:a16="http://schemas.microsoft.com/office/drawing/2014/main" id="{AF563605-E371-971C-827E-65F95CD877FD}"/>
               </a:ext>
             </a:extLst>
           </p:cNvPr>
@@ -1443,7 +1443,7 @@
           <p:cNvPr id="3" name="Text Placeholder 2">
             <a:extLst>
               <a:ext uri="{FF2B5EF4-FFF2-40B4-BE49-F238E27FC236}">
-                <a16:creationId xmlns:a16="http://schemas.microsoft.com/office/drawing/2014/main" id="{06E4FEBF-D79F-59C7-A14E-63CE65CD564D}"/>
+                <a16:creationId xmlns:a16="http://schemas.microsoft.com/office/drawing/2014/main" id="{11AC072B-ACD6-6513-14E1-BFA2294068AD}"/>
               </a:ext>
             </a:extLst>
           </p:cNvPr>
@@ -1568,7 +1568,7 @@
           <p:cNvPr id="4" name="Date Placeholder 3">
             <a:extLst>
               <a:ext uri="{FF2B5EF4-FFF2-40B4-BE49-F238E27FC236}">
-                <a16:creationId xmlns:a16="http://schemas.microsoft.com/office/drawing/2014/main" id="{3EC395D0-DBDE-2B8A-7CD5-E8E87B0638D1}"/>
+                <a16:creationId xmlns:a16="http://schemas.microsoft.com/office/drawing/2014/main" id="{534A6EC4-7700-15B5-9817-D01EDE6B5094}"/>
               </a:ext>
             </a:extLst>
           </p:cNvPr>
@@ -1584,9 +1584,9 @@
           <a:bodyPr/>
           <a:lstStyle/>
           <a:p>
-            <a:fld id="{47160A7B-5FB2-40C5-B386-9D2918FC8E85}" type="datetimeFigureOut">
+            <a:fld id="{85B19880-3AD0-459B-91CD-E0E8712E89EE}" type="datetimeFigureOut">
               <a:rPr lang="en-US" smtClean="0"/>
-              <a:t>4/20/2024</a:t>
+              <a:t>5/15/2024</a:t>
             </a:fld>
             <a:endParaRPr lang="en-US"/>
           </a:p>
@@ -1597,7 +1597,7 @@
           <p:cNvPr id="5" name="Footer Placeholder 4">
             <a:extLst>
               <a:ext uri="{FF2B5EF4-FFF2-40B4-BE49-F238E27FC236}">
-                <a16:creationId xmlns:a16="http://schemas.microsoft.com/office/drawing/2014/main" id="{60C58063-4DC8-816C-14E0-F1C3B618E251}"/>
+                <a16:creationId xmlns:a16="http://schemas.microsoft.com/office/drawing/2014/main" id="{E5E0A379-8C9C-3095-F173-DD601EE9AA80}"/>
               </a:ext>
             </a:extLst>
           </p:cNvPr>
@@ -1622,7 +1622,7 @@
           <p:cNvPr id="6" name="Slide Number Placeholder 5">
             <a:extLst>
               <a:ext uri="{FF2B5EF4-FFF2-40B4-BE49-F238E27FC236}">
-                <a16:creationId xmlns:a16="http://schemas.microsoft.com/office/drawing/2014/main" id="{0A3D7792-530B-23DE-DC60-97C7F4858CFF}"/>
+                <a16:creationId xmlns:a16="http://schemas.microsoft.com/office/drawing/2014/main" id="{8CA69328-96EE-2667-3EA5-4416E5A5FD5F}"/>
               </a:ext>
             </a:extLst>
           </p:cNvPr>
@@ -1638,7 +1638,7 @@
           <a:bodyPr/>
           <a:lstStyle/>
           <a:p>
-            <a:fld id="{93CE651E-63E4-4DC9-92D8-1C4BFDAC5324}" type="slidenum">
+            <a:fld id="{C2E140A4-2371-4814-9877-CD63D79A8A30}" type="slidenum">
               <a:rPr lang="en-US" smtClean="0"/>
               <a:t>‹#›</a:t>
             </a:fld>
@@ -1649,7 +1649,7 @@
     </p:spTree>
     <p:extLst>
       <p:ext uri="{BB962C8B-B14F-4D97-AF65-F5344CB8AC3E}">
-        <p14:creationId xmlns:p14="http://schemas.microsoft.com/office/powerpoint/2010/main" val="2401307043"/>
+        <p14:creationId xmlns:p14="http://schemas.microsoft.com/office/powerpoint/2010/main" val="998092946"/>
       </p:ext>
     </p:extLst>
   </p:cSld>
@@ -1681,7 +1681,7 @@
           <p:cNvPr id="2" name="Title 1">
             <a:extLst>
               <a:ext uri="{FF2B5EF4-FFF2-40B4-BE49-F238E27FC236}">
-                <a16:creationId xmlns:a16="http://schemas.microsoft.com/office/drawing/2014/main" id="{F970FF5F-74F4-0AF8-65E3-A35B462B503C}"/>
+                <a16:creationId xmlns:a16="http://schemas.microsoft.com/office/drawing/2014/main" id="{A9EE2284-D75D-36AB-FED3-0BE178B792BF}"/>
               </a:ext>
             </a:extLst>
           </p:cNvPr>
@@ -1709,7 +1709,7 @@
           <p:cNvPr id="3" name="Content Placeholder 2">
             <a:extLst>
               <a:ext uri="{FF2B5EF4-FFF2-40B4-BE49-F238E27FC236}">
-                <a16:creationId xmlns:a16="http://schemas.microsoft.com/office/drawing/2014/main" id="{5CF31BF8-93F5-5676-7BC6-F0D5B6C4F994}"/>
+                <a16:creationId xmlns:a16="http://schemas.microsoft.com/office/drawing/2014/main" id="{AEC7F8D2-D82A-C8D5-8D1B-FFC66F1D607C}"/>
               </a:ext>
             </a:extLst>
           </p:cNvPr>
@@ -1771,7 +1771,7 @@
           <p:cNvPr id="4" name="Content Placeholder 3">
             <a:extLst>
               <a:ext uri="{FF2B5EF4-FFF2-40B4-BE49-F238E27FC236}">
-                <a16:creationId xmlns:a16="http://schemas.microsoft.com/office/drawing/2014/main" id="{32A2C097-13AD-CA38-CAA0-C238BE6B9625}"/>
+                <a16:creationId xmlns:a16="http://schemas.microsoft.com/office/drawing/2014/main" id="{DA913C0C-8B83-4FCA-C33D-B33189B21C4E}"/>
               </a:ext>
             </a:extLst>
           </p:cNvPr>
@@ -1833,7 +1833,7 @@
           <p:cNvPr id="5" name="Date Placeholder 4">
             <a:extLst>
               <a:ext uri="{FF2B5EF4-FFF2-40B4-BE49-F238E27FC236}">
-                <a16:creationId xmlns:a16="http://schemas.microsoft.com/office/drawing/2014/main" id="{EB28D085-51F9-437A-7205-1C22D5CF1FB5}"/>
+                <a16:creationId xmlns:a16="http://schemas.microsoft.com/office/drawing/2014/main" id="{C1D0977B-2D88-8E7A-3883-30E85ACC82F0}"/>
               </a:ext>
             </a:extLst>
           </p:cNvPr>
@@ -1849,9 +1849,9 @@
           <a:bodyPr/>
           <a:lstStyle/>
           <a:p>
-            <a:fld id="{47160A7B-5FB2-40C5-B386-9D2918FC8E85}" type="datetimeFigureOut">
+            <a:fld id="{85B19880-3AD0-459B-91CD-E0E8712E89EE}" type="datetimeFigureOut">
               <a:rPr lang="en-US" smtClean="0"/>
-              <a:t>4/20/2024</a:t>
+              <a:t>5/15/2024</a:t>
             </a:fld>
             <a:endParaRPr lang="en-US"/>
           </a:p>
@@ -1862,7 +1862,7 @@
           <p:cNvPr id="6" name="Footer Placeholder 5">
             <a:extLst>
               <a:ext uri="{FF2B5EF4-FFF2-40B4-BE49-F238E27FC236}">
-                <a16:creationId xmlns:a16="http://schemas.microsoft.com/office/drawing/2014/main" id="{02783B01-B28F-9B96-95D8-9B58DC3FC9F2}"/>
+                <a16:creationId xmlns:a16="http://schemas.microsoft.com/office/drawing/2014/main" id="{81421467-9DC3-4B91-095A-87CCD7A2BFBC}"/>
               </a:ext>
             </a:extLst>
           </p:cNvPr>
@@ -1887,7 +1887,7 @@
           <p:cNvPr id="7" name="Slide Number Placeholder 6">
             <a:extLst>
               <a:ext uri="{FF2B5EF4-FFF2-40B4-BE49-F238E27FC236}">
-                <a16:creationId xmlns:a16="http://schemas.microsoft.com/office/drawing/2014/main" id="{0B2166C0-B917-56AF-D212-47AB8D7D267E}"/>
+                <a16:creationId xmlns:a16="http://schemas.microsoft.com/office/drawing/2014/main" id="{E8EE1C72-04FE-81C2-6D71-4D9CC22CB3F4}"/>
               </a:ext>
             </a:extLst>
           </p:cNvPr>
@@ -1903,7 +1903,7 @@
           <a:bodyPr/>
           <a:lstStyle/>
           <a:p>
-            <a:fld id="{93CE651E-63E4-4DC9-92D8-1C4BFDAC5324}" type="slidenum">
+            <a:fld id="{C2E140A4-2371-4814-9877-CD63D79A8A30}" type="slidenum">
               <a:rPr lang="en-US" smtClean="0"/>
               <a:t>‹#›</a:t>
             </a:fld>
@@ -1914,7 +1914,7 @@
     </p:spTree>
     <p:extLst>
       <p:ext uri="{BB962C8B-B14F-4D97-AF65-F5344CB8AC3E}">
-        <p14:creationId xmlns:p14="http://schemas.microsoft.com/office/powerpoint/2010/main" val="1907550494"/>
+        <p14:creationId xmlns:p14="http://schemas.microsoft.com/office/powerpoint/2010/main" val="3844776383"/>
       </p:ext>
     </p:extLst>
   </p:cSld>
@@ -1946,7 +1946,7 @@
           <p:cNvPr id="2" name="Title 1">
             <a:extLst>
               <a:ext uri="{FF2B5EF4-FFF2-40B4-BE49-F238E27FC236}">
-                <a16:creationId xmlns:a16="http://schemas.microsoft.com/office/drawing/2014/main" id="{8D3626BC-4837-27A0-131C-5FA60988232C}"/>
+                <a16:creationId xmlns:a16="http://schemas.microsoft.com/office/drawing/2014/main" id="{FF113250-BB5E-4CEC-6EAB-68A3A00C35B9}"/>
               </a:ext>
             </a:extLst>
           </p:cNvPr>
@@ -1979,7 +1979,7 @@
           <p:cNvPr id="3" name="Text Placeholder 2">
             <a:extLst>
               <a:ext uri="{FF2B5EF4-FFF2-40B4-BE49-F238E27FC236}">
-                <a16:creationId xmlns:a16="http://schemas.microsoft.com/office/drawing/2014/main" id="{5654C14A-3E20-680C-52D6-568CC6A7AF17}"/>
+                <a16:creationId xmlns:a16="http://schemas.microsoft.com/office/drawing/2014/main" id="{3E019C90-D668-EB00-9B47-9B7DFA8D676A}"/>
               </a:ext>
             </a:extLst>
           </p:cNvPr>
@@ -2050,7 +2050,7 @@
           <p:cNvPr id="4" name="Content Placeholder 3">
             <a:extLst>
               <a:ext uri="{FF2B5EF4-FFF2-40B4-BE49-F238E27FC236}">
-                <a16:creationId xmlns:a16="http://schemas.microsoft.com/office/drawing/2014/main" id="{AAAEF922-0BD0-5B02-F094-E025DB019F22}"/>
+                <a16:creationId xmlns:a16="http://schemas.microsoft.com/office/drawing/2014/main" id="{E658B784-8F2E-8DC5-C613-CFC12B9A7031}"/>
               </a:ext>
             </a:extLst>
           </p:cNvPr>
@@ -2112,7 +2112,7 @@
           <p:cNvPr id="5" name="Text Placeholder 4">
             <a:extLst>
               <a:ext uri="{FF2B5EF4-FFF2-40B4-BE49-F238E27FC236}">
-                <a16:creationId xmlns:a16="http://schemas.microsoft.com/office/drawing/2014/main" id="{4F33E0A3-076E-C238-216A-EA0595E9A5F4}"/>
+                <a16:creationId xmlns:a16="http://schemas.microsoft.com/office/drawing/2014/main" id="{9CFAC7C3-886D-72EC-DBBE-204FF09F95D2}"/>
               </a:ext>
             </a:extLst>
           </p:cNvPr>
@@ -2183,7 +2183,7 @@
           <p:cNvPr id="6" name="Content Placeholder 5">
             <a:extLst>
               <a:ext uri="{FF2B5EF4-FFF2-40B4-BE49-F238E27FC236}">
-                <a16:creationId xmlns:a16="http://schemas.microsoft.com/office/drawing/2014/main" id="{CADA042E-3E79-69CC-0CE8-F0255CDE65FE}"/>
+                <a16:creationId xmlns:a16="http://schemas.microsoft.com/office/drawing/2014/main" id="{DB7E1E4C-6DA1-470E-5916-B16A5A90C6A7}"/>
               </a:ext>
             </a:extLst>
           </p:cNvPr>
@@ -2245,7 +2245,7 @@
           <p:cNvPr id="7" name="Date Placeholder 6">
             <a:extLst>
               <a:ext uri="{FF2B5EF4-FFF2-40B4-BE49-F238E27FC236}">
-                <a16:creationId xmlns:a16="http://schemas.microsoft.com/office/drawing/2014/main" id="{5FA28473-D4AD-E83B-20EB-6559AD3C3C1E}"/>
+                <a16:creationId xmlns:a16="http://schemas.microsoft.com/office/drawing/2014/main" id="{B726D99D-640C-2C2D-EBD3-1F43AFAA7C62}"/>
               </a:ext>
             </a:extLst>
           </p:cNvPr>
@@ -2261,9 +2261,9 @@
           <a:bodyPr/>
           <a:lstStyle/>
           <a:p>
-            <a:fld id="{47160A7B-5FB2-40C5-B386-9D2918FC8E85}" type="datetimeFigureOut">
+            <a:fld id="{85B19880-3AD0-459B-91CD-E0E8712E89EE}" type="datetimeFigureOut">
               <a:rPr lang="en-US" smtClean="0"/>
-              <a:t>4/20/2024</a:t>
+              <a:t>5/15/2024</a:t>
             </a:fld>
             <a:endParaRPr lang="en-US"/>
           </a:p>
@@ -2274,7 +2274,7 @@
           <p:cNvPr id="8" name="Footer Placeholder 7">
             <a:extLst>
               <a:ext uri="{FF2B5EF4-FFF2-40B4-BE49-F238E27FC236}">
-                <a16:creationId xmlns:a16="http://schemas.microsoft.com/office/drawing/2014/main" id="{792F278A-4F7E-403C-4317-ECF9828A675E}"/>
+                <a16:creationId xmlns:a16="http://schemas.microsoft.com/office/drawing/2014/main" id="{F9F2AEFE-E1BC-1F6E-C2EB-122B8AAD9DCB}"/>
               </a:ext>
             </a:extLst>
           </p:cNvPr>
@@ -2299,7 +2299,7 @@
           <p:cNvPr id="9" name="Slide Number Placeholder 8">
             <a:extLst>
               <a:ext uri="{FF2B5EF4-FFF2-40B4-BE49-F238E27FC236}">
-                <a16:creationId xmlns:a16="http://schemas.microsoft.com/office/drawing/2014/main" id="{FC535B7D-A5E5-3267-3B72-3F67DE5DF64D}"/>
+                <a16:creationId xmlns:a16="http://schemas.microsoft.com/office/drawing/2014/main" id="{744E1D49-A9E1-5C2A-9441-2CDED5F7828E}"/>
               </a:ext>
             </a:extLst>
           </p:cNvPr>
@@ -2315,7 +2315,7 @@
           <a:bodyPr/>
           <a:lstStyle/>
           <a:p>
-            <a:fld id="{93CE651E-63E4-4DC9-92D8-1C4BFDAC5324}" type="slidenum">
+            <a:fld id="{C2E140A4-2371-4814-9877-CD63D79A8A30}" type="slidenum">
               <a:rPr lang="en-US" smtClean="0"/>
               <a:t>‹#›</a:t>
             </a:fld>
@@ -2326,7 +2326,7 @@
     </p:spTree>
     <p:extLst>
       <p:ext uri="{BB962C8B-B14F-4D97-AF65-F5344CB8AC3E}">
-        <p14:creationId xmlns:p14="http://schemas.microsoft.com/office/powerpoint/2010/main" val="572991814"/>
+        <p14:creationId xmlns:p14="http://schemas.microsoft.com/office/powerpoint/2010/main" val="1784183368"/>
       </p:ext>
     </p:extLst>
   </p:cSld>
@@ -2358,7 +2358,7 @@
           <p:cNvPr id="2" name="Title 1">
             <a:extLst>
               <a:ext uri="{FF2B5EF4-FFF2-40B4-BE49-F238E27FC236}">
-                <a16:creationId xmlns:a16="http://schemas.microsoft.com/office/drawing/2014/main" id="{FA112986-4D52-34D0-FD08-9AD6354B8ED1}"/>
+                <a16:creationId xmlns:a16="http://schemas.microsoft.com/office/drawing/2014/main" id="{F3DEB9EE-C8E3-6F49-F0D6-93145FEE231B}"/>
               </a:ext>
             </a:extLst>
           </p:cNvPr>
@@ -2386,7 +2386,7 @@
           <p:cNvPr id="3" name="Date Placeholder 2">
             <a:extLst>
               <a:ext uri="{FF2B5EF4-FFF2-40B4-BE49-F238E27FC236}">
-                <a16:creationId xmlns:a16="http://schemas.microsoft.com/office/drawing/2014/main" id="{E740F4DF-5065-F549-B041-CCB44EBFA1DB}"/>
+                <a16:creationId xmlns:a16="http://schemas.microsoft.com/office/drawing/2014/main" id="{040E2D59-9936-DE02-0315-5E20A6B3089C}"/>
               </a:ext>
             </a:extLst>
           </p:cNvPr>
@@ -2402,9 +2402,9 @@
           <a:bodyPr/>
           <a:lstStyle/>
           <a:p>
-            <a:fld id="{47160A7B-5FB2-40C5-B386-9D2918FC8E85}" type="datetimeFigureOut">
+            <a:fld id="{85B19880-3AD0-459B-91CD-E0E8712E89EE}" type="datetimeFigureOut">
               <a:rPr lang="en-US" smtClean="0"/>
-              <a:t>4/20/2024</a:t>
+              <a:t>5/15/2024</a:t>
             </a:fld>
             <a:endParaRPr lang="en-US"/>
           </a:p>
@@ -2415,7 +2415,7 @@
           <p:cNvPr id="4" name="Footer Placeholder 3">
             <a:extLst>
               <a:ext uri="{FF2B5EF4-FFF2-40B4-BE49-F238E27FC236}">
-                <a16:creationId xmlns:a16="http://schemas.microsoft.com/office/drawing/2014/main" id="{B652A658-C0C7-0E94-9888-B02ED9F35C98}"/>
+                <a16:creationId xmlns:a16="http://schemas.microsoft.com/office/drawing/2014/main" id="{A15F048A-BF55-6CC0-1D08-446C561A64A3}"/>
               </a:ext>
             </a:extLst>
           </p:cNvPr>
@@ -2440,7 +2440,7 @@
           <p:cNvPr id="5" name="Slide Number Placeholder 4">
             <a:extLst>
               <a:ext uri="{FF2B5EF4-FFF2-40B4-BE49-F238E27FC236}">
-                <a16:creationId xmlns:a16="http://schemas.microsoft.com/office/drawing/2014/main" id="{63ACF8DE-22F6-E284-D62E-E61097BFF54B}"/>
+                <a16:creationId xmlns:a16="http://schemas.microsoft.com/office/drawing/2014/main" id="{6CBD768D-8582-2B88-123F-3DD07F50AEA5}"/>
               </a:ext>
             </a:extLst>
           </p:cNvPr>
@@ -2456,7 +2456,7 @@
           <a:bodyPr/>
           <a:lstStyle/>
           <a:p>
-            <a:fld id="{93CE651E-63E4-4DC9-92D8-1C4BFDAC5324}" type="slidenum">
+            <a:fld id="{C2E140A4-2371-4814-9877-CD63D79A8A30}" type="slidenum">
               <a:rPr lang="en-US" smtClean="0"/>
               <a:t>‹#›</a:t>
             </a:fld>
@@ -2467,7 +2467,7 @@
     </p:spTree>
     <p:extLst>
       <p:ext uri="{BB962C8B-B14F-4D97-AF65-F5344CB8AC3E}">
-        <p14:creationId xmlns:p14="http://schemas.microsoft.com/office/powerpoint/2010/main" val="410945622"/>
+        <p14:creationId xmlns:p14="http://schemas.microsoft.com/office/powerpoint/2010/main" val="2951329345"/>
       </p:ext>
     </p:extLst>
   </p:cSld>
@@ -2499,7 +2499,7 @@
           <p:cNvPr id="2" name="Date Placeholder 1">
             <a:extLst>
               <a:ext uri="{FF2B5EF4-FFF2-40B4-BE49-F238E27FC236}">
-                <a16:creationId xmlns:a16="http://schemas.microsoft.com/office/drawing/2014/main" id="{F29C5C43-CB65-2077-75AE-AE667CD15AAD}"/>
+                <a16:creationId xmlns:a16="http://schemas.microsoft.com/office/drawing/2014/main" id="{0328DCB5-0F06-7748-5436-D676982AB490}"/>
               </a:ext>
             </a:extLst>
           </p:cNvPr>
@@ -2515,9 +2515,9 @@
           <a:bodyPr/>
           <a:lstStyle/>
           <a:p>
-            <a:fld id="{47160A7B-5FB2-40C5-B386-9D2918FC8E85}" type="datetimeFigureOut">
+            <a:fld id="{85B19880-3AD0-459B-91CD-E0E8712E89EE}" type="datetimeFigureOut">
               <a:rPr lang="en-US" smtClean="0"/>
-              <a:t>4/20/2024</a:t>
+              <a:t>5/15/2024</a:t>
             </a:fld>
             <a:endParaRPr lang="en-US"/>
           </a:p>
@@ -2528,7 +2528,7 @@
           <p:cNvPr id="3" name="Footer Placeholder 2">
             <a:extLst>
               <a:ext uri="{FF2B5EF4-FFF2-40B4-BE49-F238E27FC236}">
-                <a16:creationId xmlns:a16="http://schemas.microsoft.com/office/drawing/2014/main" id="{6EB2EA63-239F-AA54-93C3-EE0A58B6755B}"/>
+                <a16:creationId xmlns:a16="http://schemas.microsoft.com/office/drawing/2014/main" id="{A2A45DFD-2C81-C0FE-AB65-526EE58066FB}"/>
               </a:ext>
             </a:extLst>
           </p:cNvPr>
@@ -2553,7 +2553,7 @@
           <p:cNvPr id="4" name="Slide Number Placeholder 3">
             <a:extLst>
               <a:ext uri="{FF2B5EF4-FFF2-40B4-BE49-F238E27FC236}">
-                <a16:creationId xmlns:a16="http://schemas.microsoft.com/office/drawing/2014/main" id="{22CCFB25-D492-5969-CE8E-985484A23AD5}"/>
+                <a16:creationId xmlns:a16="http://schemas.microsoft.com/office/drawing/2014/main" id="{C6B6D9F0-AEA2-8098-6476-E2DAE13D2B2F}"/>
               </a:ext>
             </a:extLst>
           </p:cNvPr>
@@ -2569,7 +2569,7 @@
           <a:bodyPr/>
           <a:lstStyle/>
           <a:p>
-            <a:fld id="{93CE651E-63E4-4DC9-92D8-1C4BFDAC5324}" type="slidenum">
+            <a:fld id="{C2E140A4-2371-4814-9877-CD63D79A8A30}" type="slidenum">
               <a:rPr lang="en-US" smtClean="0"/>
               <a:t>‹#›</a:t>
             </a:fld>
@@ -2580,7 +2580,7 @@
     </p:spTree>
     <p:extLst>
       <p:ext uri="{BB962C8B-B14F-4D97-AF65-F5344CB8AC3E}">
-        <p14:creationId xmlns:p14="http://schemas.microsoft.com/office/powerpoint/2010/main" val="1599377504"/>
+        <p14:creationId xmlns:p14="http://schemas.microsoft.com/office/powerpoint/2010/main" val="3283494216"/>
       </p:ext>
     </p:extLst>
   </p:cSld>
@@ -2612,7 +2612,7 @@
           <p:cNvPr id="2" name="Title 1">
             <a:extLst>
               <a:ext uri="{FF2B5EF4-FFF2-40B4-BE49-F238E27FC236}">
-                <a16:creationId xmlns:a16="http://schemas.microsoft.com/office/drawing/2014/main" id="{E3FCBFE6-0873-A9CB-D11A-349590D6E3B0}"/>
+                <a16:creationId xmlns:a16="http://schemas.microsoft.com/office/drawing/2014/main" id="{9EC8AFFF-A452-9E29-1078-0FE6A7C25F68}"/>
               </a:ext>
             </a:extLst>
           </p:cNvPr>
@@ -2649,7 +2649,7 @@
           <p:cNvPr id="3" name="Content Placeholder 2">
             <a:extLst>
               <a:ext uri="{FF2B5EF4-FFF2-40B4-BE49-F238E27FC236}">
-                <a16:creationId xmlns:a16="http://schemas.microsoft.com/office/drawing/2014/main" id="{B7D2634F-7196-CDE7-BF1D-60B5579D079B}"/>
+                <a16:creationId xmlns:a16="http://schemas.microsoft.com/office/drawing/2014/main" id="{FB13339D-8EE2-7EC3-5CAA-2F339C152551}"/>
               </a:ext>
             </a:extLst>
           </p:cNvPr>
@@ -2739,7 +2739,7 @@
           <p:cNvPr id="4" name="Text Placeholder 3">
             <a:extLst>
               <a:ext uri="{FF2B5EF4-FFF2-40B4-BE49-F238E27FC236}">
-                <a16:creationId xmlns:a16="http://schemas.microsoft.com/office/drawing/2014/main" id="{D5732365-FE17-6986-9146-1438DEBD49BF}"/>
+                <a16:creationId xmlns:a16="http://schemas.microsoft.com/office/drawing/2014/main" id="{D843F93B-4A0E-7AF3-C3AA-FB309C5D296D}"/>
               </a:ext>
             </a:extLst>
           </p:cNvPr>
@@ -2810,7 +2810,7 @@
           <p:cNvPr id="5" name="Date Placeholder 4">
             <a:extLst>
               <a:ext uri="{FF2B5EF4-FFF2-40B4-BE49-F238E27FC236}">
-                <a16:creationId xmlns:a16="http://schemas.microsoft.com/office/drawing/2014/main" id="{D9B0D08E-05B9-D064-6D17-7D0350917A78}"/>
+                <a16:creationId xmlns:a16="http://schemas.microsoft.com/office/drawing/2014/main" id="{CFC2FB4A-D413-F1CD-75A0-30602DB3AE5B}"/>
               </a:ext>
             </a:extLst>
           </p:cNvPr>
@@ -2826,9 +2826,9 @@
           <a:bodyPr/>
           <a:lstStyle/>
           <a:p>
-            <a:fld id="{47160A7B-5FB2-40C5-B386-9D2918FC8E85}" type="datetimeFigureOut">
+            <a:fld id="{85B19880-3AD0-459B-91CD-E0E8712E89EE}" type="datetimeFigureOut">
               <a:rPr lang="en-US" smtClean="0"/>
-              <a:t>4/20/2024</a:t>
+              <a:t>5/15/2024</a:t>
             </a:fld>
             <a:endParaRPr lang="en-US"/>
           </a:p>
@@ -2839,7 +2839,7 @@
           <p:cNvPr id="6" name="Footer Placeholder 5">
             <a:extLst>
               <a:ext uri="{FF2B5EF4-FFF2-40B4-BE49-F238E27FC236}">
-                <a16:creationId xmlns:a16="http://schemas.microsoft.com/office/drawing/2014/main" id="{BB23FD1F-3B5C-A9FC-1279-64424A7CBBE4}"/>
+                <a16:creationId xmlns:a16="http://schemas.microsoft.com/office/drawing/2014/main" id="{D8732C11-4481-E388-E2D5-FE53A71B3ED2}"/>
               </a:ext>
             </a:extLst>
           </p:cNvPr>
@@ -2864,7 +2864,7 @@
           <p:cNvPr id="7" name="Slide Number Placeholder 6">
             <a:extLst>
               <a:ext uri="{FF2B5EF4-FFF2-40B4-BE49-F238E27FC236}">
-                <a16:creationId xmlns:a16="http://schemas.microsoft.com/office/drawing/2014/main" id="{D58CBBF9-BDBA-4393-15C8-E362C58ECC80}"/>
+                <a16:creationId xmlns:a16="http://schemas.microsoft.com/office/drawing/2014/main" id="{96F40A0B-7F31-3817-599E-204B0E4C898B}"/>
               </a:ext>
             </a:extLst>
           </p:cNvPr>
@@ -2880,7 +2880,7 @@
           <a:bodyPr/>
           <a:lstStyle/>
           <a:p>
-            <a:fld id="{93CE651E-63E4-4DC9-92D8-1C4BFDAC5324}" type="slidenum">
+            <a:fld id="{C2E140A4-2371-4814-9877-CD63D79A8A30}" type="slidenum">
               <a:rPr lang="en-US" smtClean="0"/>
               <a:t>‹#›</a:t>
             </a:fld>
@@ -2891,7 +2891,7 @@
     </p:spTree>
     <p:extLst>
       <p:ext uri="{BB962C8B-B14F-4D97-AF65-F5344CB8AC3E}">
-        <p14:creationId xmlns:p14="http://schemas.microsoft.com/office/powerpoint/2010/main" val="237903295"/>
+        <p14:creationId xmlns:p14="http://schemas.microsoft.com/office/powerpoint/2010/main" val="611655521"/>
       </p:ext>
     </p:extLst>
   </p:cSld>
@@ -2923,7 +2923,7 @@
           <p:cNvPr id="2" name="Title 1">
             <a:extLst>
               <a:ext uri="{FF2B5EF4-FFF2-40B4-BE49-F238E27FC236}">
-                <a16:creationId xmlns:a16="http://schemas.microsoft.com/office/drawing/2014/main" id="{111DA914-CCE9-9AF4-8788-DE111E6D6639}"/>
+                <a16:creationId xmlns:a16="http://schemas.microsoft.com/office/drawing/2014/main" id="{48B674CF-A90B-BD27-152B-21524A250B87}"/>
               </a:ext>
             </a:extLst>
           </p:cNvPr>
@@ -2960,7 +2960,7 @@
           <p:cNvPr id="3" name="Picture Placeholder 2">
             <a:extLst>
               <a:ext uri="{FF2B5EF4-FFF2-40B4-BE49-F238E27FC236}">
-                <a16:creationId xmlns:a16="http://schemas.microsoft.com/office/drawing/2014/main" id="{E9C597AD-0AD8-5868-AB71-D6B1FD4E6E21}"/>
+                <a16:creationId xmlns:a16="http://schemas.microsoft.com/office/drawing/2014/main" id="{C89BF486-C7DC-A744-5EAE-51C34F245B01}"/>
               </a:ext>
             </a:extLst>
           </p:cNvPr>
@@ -3027,7 +3027,7 @@
           <p:cNvPr id="4" name="Text Placeholder 3">
             <a:extLst>
               <a:ext uri="{FF2B5EF4-FFF2-40B4-BE49-F238E27FC236}">
-                <a16:creationId xmlns:a16="http://schemas.microsoft.com/office/drawing/2014/main" id="{06C90813-27CE-E016-E35F-1AC4CF944603}"/>
+                <a16:creationId xmlns:a16="http://schemas.microsoft.com/office/drawing/2014/main" id="{6362611B-CBC6-A279-8DCF-65F3563915F2}"/>
               </a:ext>
             </a:extLst>
           </p:cNvPr>
@@ -3098,7 +3098,7 @@
           <p:cNvPr id="5" name="Date Placeholder 4">
             <a:extLst>
               <a:ext uri="{FF2B5EF4-FFF2-40B4-BE49-F238E27FC236}">
-                <a16:creationId xmlns:a16="http://schemas.microsoft.com/office/drawing/2014/main" id="{0E771A0E-B440-392F-8742-57B64FA6742B}"/>
+                <a16:creationId xmlns:a16="http://schemas.microsoft.com/office/drawing/2014/main" id="{06388C51-C548-223C-31D8-0DB8453295E2}"/>
               </a:ext>
             </a:extLst>
           </p:cNvPr>
@@ -3114,9 +3114,9 @@
           <a:bodyPr/>
           <a:lstStyle/>
           <a:p>
-            <a:fld id="{47160A7B-5FB2-40C5-B386-9D2918FC8E85}" type="datetimeFigureOut">
+            <a:fld id="{85B19880-3AD0-459B-91CD-E0E8712E89EE}" type="datetimeFigureOut">
               <a:rPr lang="en-US" smtClean="0"/>
-              <a:t>4/20/2024</a:t>
+              <a:t>5/15/2024</a:t>
             </a:fld>
             <a:endParaRPr lang="en-US"/>
           </a:p>
@@ -3127,7 +3127,7 @@
           <p:cNvPr id="6" name="Footer Placeholder 5">
             <a:extLst>
               <a:ext uri="{FF2B5EF4-FFF2-40B4-BE49-F238E27FC236}">
-                <a16:creationId xmlns:a16="http://schemas.microsoft.com/office/drawing/2014/main" id="{F83B2DD5-A1EE-AE1B-EF50-4FEB50F32F65}"/>
+                <a16:creationId xmlns:a16="http://schemas.microsoft.com/office/drawing/2014/main" id="{3AFEC2FD-20C7-4958-4A20-FD99DBEB5341}"/>
               </a:ext>
             </a:extLst>
           </p:cNvPr>
@@ -3152,7 +3152,7 @@
           <p:cNvPr id="7" name="Slide Number Placeholder 6">
             <a:extLst>
               <a:ext uri="{FF2B5EF4-FFF2-40B4-BE49-F238E27FC236}">
-                <a16:creationId xmlns:a16="http://schemas.microsoft.com/office/drawing/2014/main" id="{F0E5168B-AD22-0917-7DC9-F7FC07A59C66}"/>
+                <a16:creationId xmlns:a16="http://schemas.microsoft.com/office/drawing/2014/main" id="{1595EE3D-EF21-00FE-D4E0-A6B5A27EC838}"/>
               </a:ext>
             </a:extLst>
           </p:cNvPr>
@@ -3168,7 +3168,7 @@
           <a:bodyPr/>
           <a:lstStyle/>
           <a:p>
-            <a:fld id="{93CE651E-63E4-4DC9-92D8-1C4BFDAC5324}" type="slidenum">
+            <a:fld id="{C2E140A4-2371-4814-9877-CD63D79A8A30}" type="slidenum">
               <a:rPr lang="en-US" smtClean="0"/>
               <a:t>‹#›</a:t>
             </a:fld>
@@ -3179,7 +3179,7 @@
     </p:spTree>
     <p:extLst>
       <p:ext uri="{BB962C8B-B14F-4D97-AF65-F5344CB8AC3E}">
-        <p14:creationId xmlns:p14="http://schemas.microsoft.com/office/powerpoint/2010/main" val="2933738507"/>
+        <p14:creationId xmlns:p14="http://schemas.microsoft.com/office/powerpoint/2010/main" val="1320158734"/>
       </p:ext>
     </p:extLst>
   </p:cSld>
@@ -3216,7 +3216,7 @@
           <p:cNvPr id="2" name="Title Placeholder 1">
             <a:extLst>
               <a:ext uri="{FF2B5EF4-FFF2-40B4-BE49-F238E27FC236}">
-                <a16:creationId xmlns:a16="http://schemas.microsoft.com/office/drawing/2014/main" id="{C6482928-BBE3-A398-CB8C-E501CD5D2CA1}"/>
+                <a16:creationId xmlns:a16="http://schemas.microsoft.com/office/drawing/2014/main" id="{F79F02EB-6F2C-7501-DD05-6F893336939B}"/>
               </a:ext>
             </a:extLst>
           </p:cNvPr>
@@ -3254,7 +3254,7 @@
           <p:cNvPr id="3" name="Text Placeholder 2">
             <a:extLst>
               <a:ext uri="{FF2B5EF4-FFF2-40B4-BE49-F238E27FC236}">
-                <a16:creationId xmlns:a16="http://schemas.microsoft.com/office/drawing/2014/main" id="{7CA30EDD-34EA-770C-AA84-270C5C398208}"/>
+                <a16:creationId xmlns:a16="http://schemas.microsoft.com/office/drawing/2014/main" id="{54A52978-F350-0420-ED01-435362AB43A4}"/>
               </a:ext>
             </a:extLst>
           </p:cNvPr>
@@ -3321,7 +3321,7 @@
           <p:cNvPr id="4" name="Date Placeholder 3">
             <a:extLst>
               <a:ext uri="{FF2B5EF4-FFF2-40B4-BE49-F238E27FC236}">
-                <a16:creationId xmlns:a16="http://schemas.microsoft.com/office/drawing/2014/main" id="{C2B0949B-D227-6CE5-2A98-30F380921738}"/>
+                <a16:creationId xmlns:a16="http://schemas.microsoft.com/office/drawing/2014/main" id="{ACBD1F1B-4024-2EAE-5069-BFD50E806FC2}"/>
               </a:ext>
             </a:extLst>
           </p:cNvPr>
@@ -3355,9 +3355,9 @@
             </a:lvl1pPr>
           </a:lstStyle>
           <a:p>
-            <a:fld id="{47160A7B-5FB2-40C5-B386-9D2918FC8E85}" type="datetimeFigureOut">
+            <a:fld id="{85B19880-3AD0-459B-91CD-E0E8712E89EE}" type="datetimeFigureOut">
               <a:rPr lang="en-US" smtClean="0"/>
-              <a:t>4/20/2024</a:t>
+              <a:t>5/15/2024</a:t>
             </a:fld>
             <a:endParaRPr lang="en-US"/>
           </a:p>
@@ -3368,7 +3368,7 @@
           <p:cNvPr id="5" name="Footer Placeholder 4">
             <a:extLst>
               <a:ext uri="{FF2B5EF4-FFF2-40B4-BE49-F238E27FC236}">
-                <a16:creationId xmlns:a16="http://schemas.microsoft.com/office/drawing/2014/main" id="{1E2398D8-D9ED-0DD7-2680-165D9CA59509}"/>
+                <a16:creationId xmlns:a16="http://schemas.microsoft.com/office/drawing/2014/main" id="{1DFD94FD-4417-6E5F-ADFB-D8699EEC3905}"/>
               </a:ext>
             </a:extLst>
           </p:cNvPr>
@@ -3411,7 +3411,7 @@
           <p:cNvPr id="6" name="Slide Number Placeholder 5">
             <a:extLst>
               <a:ext uri="{FF2B5EF4-FFF2-40B4-BE49-F238E27FC236}">
-                <a16:creationId xmlns:a16="http://schemas.microsoft.com/office/drawing/2014/main" id="{1DD4AEEA-6FDC-A045-F840-D5E42EAEDFB3}"/>
+                <a16:creationId xmlns:a16="http://schemas.microsoft.com/office/drawing/2014/main" id="{832FB43E-109A-4CAE-CDC0-129DA30CCFCE}"/>
               </a:ext>
             </a:extLst>
           </p:cNvPr>
@@ -3445,7 +3445,7 @@
             </a:lvl1pPr>
           </a:lstStyle>
           <a:p>
-            <a:fld id="{93CE651E-63E4-4DC9-92D8-1C4BFDAC5324}" type="slidenum">
+            <a:fld id="{C2E140A4-2371-4814-9877-CD63D79A8A30}" type="slidenum">
               <a:rPr lang="en-US" smtClean="0"/>
               <a:t>‹#›</a:t>
             </a:fld>
@@ -3456,7 +3456,7 @@
     </p:spTree>
     <p:extLst>
       <p:ext uri="{BB962C8B-B14F-4D97-AF65-F5344CB8AC3E}">
-        <p14:creationId xmlns:p14="http://schemas.microsoft.com/office/powerpoint/2010/main" val="2666486232"/>
+        <p14:creationId xmlns:p14="http://schemas.microsoft.com/office/powerpoint/2010/main" val="4072434022"/>
       </p:ext>
     </p:extLst>
   </p:cSld>
@@ -3979,6 +3979,15 @@
           <a:lstStyle/>
           <a:p>
             <a:r>
+              <a:rPr lang="th-TH" dirty="0">
+                <a:latin typeface="TH SarabunPSK" panose="020B0500040200020003" pitchFamily="34" charset="-34"/>
+                <a:cs typeface="TH SarabunPSK" panose="020B0500040200020003" pitchFamily="34" charset="-34"/>
+              </a:rPr>
+              <a:t>บทที่ 6 การแสดงผลการกระจายของข้อมูล (ต่อ)</a:t>
+            </a:r>
+          </a:p>
+          <a:p>
+            <a:r>
               <a:rPr lang="en-US" dirty="0" err="1">
                 <a:latin typeface="TH SarabunPSK" panose="020B0500040200020003" pitchFamily="34" charset="-34"/>
                 <a:cs typeface="TH SarabunPSK" panose="020B0500040200020003" pitchFamily="34" charset="-34"/>
@@ -6733,6 +6742,13 @@
               <a:t>plt.scatter</a:t>
             </a:r>
             <a:r>
+              <a:rPr lang="en-US" dirty="0">
+                <a:latin typeface="TH SarabunPSK" panose="020B0500040200020003" pitchFamily="34" charset="-34"/>
+                <a:cs typeface="TH SarabunPSK" panose="020B0500040200020003" pitchFamily="34" charset="-34"/>
+              </a:rPr>
+              <a:t>()</a:t>
+            </a:r>
+            <a:r>
               <a:rPr lang="th-TH" dirty="0">
                 <a:latin typeface="TH SarabunPSK" panose="020B0500040200020003" pitchFamily="34" charset="-34"/>
                 <a:cs typeface="TH SarabunPSK" panose="020B0500040200020003" pitchFamily="34" charset="-34"/>
@@ -8475,6 +8491,13 @@
               <a:t>plt.scatter</a:t>
             </a:r>
             <a:r>
+              <a:rPr lang="en-US" dirty="0">
+                <a:latin typeface="TH SarabunPSK" panose="020B0500040200020003" pitchFamily="34" charset="-34"/>
+                <a:cs typeface="TH SarabunPSK" panose="020B0500040200020003" pitchFamily="34" charset="-34"/>
+              </a:rPr>
+              <a:t>()</a:t>
+            </a:r>
+            <a:r>
               <a:rPr lang="th-TH" dirty="0">
                 <a:latin typeface="TH SarabunPSK" panose="020B0500040200020003" pitchFamily="34" charset="-34"/>
                 <a:cs typeface="TH SarabunPSK" panose="020B0500040200020003" pitchFamily="34" charset="-34"/>
@@ -15036,6 +15059,17 @@
               <a:t>plt.title</a:t>
             </a:r>
             <a:r>
+              <a:rPr lang="en-US" sz="2400" b="0" i="0" dirty="0">
+                <a:solidFill>
+                  <a:srgbClr val="545454"/>
+                </a:solidFill>
+                <a:effectLst/>
+                <a:latin typeface="TH SarabunPSK" panose="020B0500040200020003" pitchFamily="34" charset="-34"/>
+                <a:cs typeface="TH SarabunPSK" panose="020B0500040200020003" pitchFamily="34" charset="-34"/>
+              </a:rPr>
+              <a:t>()</a:t>
+            </a:r>
+            <a:r>
               <a:rPr lang="th-TH" sz="2400" b="0" i="0" dirty="0">
                 <a:solidFill>
                   <a:srgbClr val="545454"/>
@@ -15737,6 +15771,17 @@
               <a:t>plt.xlabel</a:t>
             </a:r>
             <a:r>
+              <a:rPr lang="en-US" sz="2400" b="0" i="0" dirty="0">
+                <a:solidFill>
+                  <a:srgbClr val="545454"/>
+                </a:solidFill>
+                <a:effectLst/>
+                <a:latin typeface="TH SarabunPSK" panose="020B0500040200020003" pitchFamily="34" charset="-34"/>
+                <a:cs typeface="TH SarabunPSK" panose="020B0500040200020003" pitchFamily="34" charset="-34"/>
+              </a:rPr>
+              <a:t>()</a:t>
+            </a:r>
+            <a:r>
               <a:rPr lang="th-TH" sz="2400" dirty="0">
                 <a:solidFill>
                   <a:srgbClr val="545454"/>
@@ -15756,6 +15801,17 @@
                 <a:cs typeface="TH SarabunPSK" panose="020B0500040200020003" pitchFamily="34" charset="-34"/>
               </a:rPr>
               <a:t>plt.ylabel</a:t>
+            </a:r>
+            <a:r>
+              <a:rPr lang="en-US" sz="2400" b="0" i="0" dirty="0">
+                <a:solidFill>
+                  <a:srgbClr val="545454"/>
+                </a:solidFill>
+                <a:effectLst/>
+                <a:latin typeface="TH SarabunPSK" panose="020B0500040200020003" pitchFamily="34" charset="-34"/>
+                <a:cs typeface="TH SarabunPSK" panose="020B0500040200020003" pitchFamily="34" charset="-34"/>
+              </a:rPr>
+              <a:t>()</a:t>
             </a:r>
             <a:r>
               <a:rPr lang="th-TH" sz="2400" b="0" i="0" dirty="0">

--- a/PPT/Class period 13.pptx
+++ b/PPT/Class period 13.pptx
@@ -124,6 +124,11 @@
       </a:defRPr>
     </a:lvl9pPr>
   </p:defaultTextStyle>
+  <p:extLst>
+    <p:ext uri="{EFAFB233-063F-42B5-8137-9DF3F51BA10A}">
+      <p15:sldGuideLst xmlns:p15="http://schemas.microsoft.com/office/powerpoint/2012/main"/>
+    </p:ext>
+  </p:extLst>
 </p:presentation>
 </file>
 
@@ -209,7 +214,7 @@
           <a:p>
             <a:fld id="{AD2D837E-970B-49BC-8FC8-CC02BED0D0EA}" type="datetimeFigureOut">
               <a:rPr lang="en-US" smtClean="0"/>
-              <a:t>5/15/2024</a:t>
+              <a:t>6/17/2024</a:t>
             </a:fld>
             <a:endParaRPr lang="en-US"/>
           </a:p>
@@ -707,7 +712,7 @@
           <a:p>
             <a:fld id="{85B19880-3AD0-459B-91CD-E0E8712E89EE}" type="datetimeFigureOut">
               <a:rPr lang="en-US" smtClean="0"/>
-              <a:t>5/15/2024</a:t>
+              <a:t>6/17/2024</a:t>
             </a:fld>
             <a:endParaRPr lang="en-US"/>
           </a:p>
@@ -905,7 +910,7 @@
           <a:p>
             <a:fld id="{85B19880-3AD0-459B-91CD-E0E8712E89EE}" type="datetimeFigureOut">
               <a:rPr lang="en-US" smtClean="0"/>
-              <a:t>5/15/2024</a:t>
+              <a:t>6/17/2024</a:t>
             </a:fld>
             <a:endParaRPr lang="en-US"/>
           </a:p>
@@ -1113,7 +1118,7 @@
           <a:p>
             <a:fld id="{85B19880-3AD0-459B-91CD-E0E8712E89EE}" type="datetimeFigureOut">
               <a:rPr lang="en-US" smtClean="0"/>
-              <a:t>5/15/2024</a:t>
+              <a:t>6/17/2024</a:t>
             </a:fld>
             <a:endParaRPr lang="en-US"/>
           </a:p>
@@ -1311,7 +1316,7 @@
           <a:p>
             <a:fld id="{85B19880-3AD0-459B-91CD-E0E8712E89EE}" type="datetimeFigureOut">
               <a:rPr lang="en-US" smtClean="0"/>
-              <a:t>5/15/2024</a:t>
+              <a:t>6/17/2024</a:t>
             </a:fld>
             <a:endParaRPr lang="en-US"/>
           </a:p>
@@ -1586,7 +1591,7 @@
           <a:p>
             <a:fld id="{85B19880-3AD0-459B-91CD-E0E8712E89EE}" type="datetimeFigureOut">
               <a:rPr lang="en-US" smtClean="0"/>
-              <a:t>5/15/2024</a:t>
+              <a:t>6/17/2024</a:t>
             </a:fld>
             <a:endParaRPr lang="en-US"/>
           </a:p>
@@ -1851,7 +1856,7 @@
           <a:p>
             <a:fld id="{85B19880-3AD0-459B-91CD-E0E8712E89EE}" type="datetimeFigureOut">
               <a:rPr lang="en-US" smtClean="0"/>
-              <a:t>5/15/2024</a:t>
+              <a:t>6/17/2024</a:t>
             </a:fld>
             <a:endParaRPr lang="en-US"/>
           </a:p>
@@ -2263,7 +2268,7 @@
           <a:p>
             <a:fld id="{85B19880-3AD0-459B-91CD-E0E8712E89EE}" type="datetimeFigureOut">
               <a:rPr lang="en-US" smtClean="0"/>
-              <a:t>5/15/2024</a:t>
+              <a:t>6/17/2024</a:t>
             </a:fld>
             <a:endParaRPr lang="en-US"/>
           </a:p>
@@ -2404,7 +2409,7 @@
           <a:p>
             <a:fld id="{85B19880-3AD0-459B-91CD-E0E8712E89EE}" type="datetimeFigureOut">
               <a:rPr lang="en-US" smtClean="0"/>
-              <a:t>5/15/2024</a:t>
+              <a:t>6/17/2024</a:t>
             </a:fld>
             <a:endParaRPr lang="en-US"/>
           </a:p>
@@ -2517,7 +2522,7 @@
           <a:p>
             <a:fld id="{85B19880-3AD0-459B-91CD-E0E8712E89EE}" type="datetimeFigureOut">
               <a:rPr lang="en-US" smtClean="0"/>
-              <a:t>5/15/2024</a:t>
+              <a:t>6/17/2024</a:t>
             </a:fld>
             <a:endParaRPr lang="en-US"/>
           </a:p>
@@ -2828,7 +2833,7 @@
           <a:p>
             <a:fld id="{85B19880-3AD0-459B-91CD-E0E8712E89EE}" type="datetimeFigureOut">
               <a:rPr lang="en-US" smtClean="0"/>
-              <a:t>5/15/2024</a:t>
+              <a:t>6/17/2024</a:t>
             </a:fld>
             <a:endParaRPr lang="en-US"/>
           </a:p>
@@ -3116,7 +3121,7 @@
           <a:p>
             <a:fld id="{85B19880-3AD0-459B-91CD-E0E8712E89EE}" type="datetimeFigureOut">
               <a:rPr lang="en-US" smtClean="0"/>
-              <a:t>5/15/2024</a:t>
+              <a:t>6/17/2024</a:t>
             </a:fld>
             <a:endParaRPr lang="en-US"/>
           </a:p>
@@ -3357,7 +3362,7 @@
           <a:p>
             <a:fld id="{85B19880-3AD0-459B-91CD-E0E8712E89EE}" type="datetimeFigureOut">
               <a:rPr lang="en-US" smtClean="0"/>
-              <a:t>5/15/2024</a:t>
+              <a:t>6/17/2024</a:t>
             </a:fld>
             <a:endParaRPr lang="en-US"/>
           </a:p>
@@ -4004,6 +4009,73 @@
           </a:p>
         </p:txBody>
       </p:sp>
+      <p:sp>
+        <p:nvSpPr>
+          <p:cNvPr id="7" name="TextBox 6">
+            <a:extLst>
+              <a:ext uri="{FF2B5EF4-FFF2-40B4-BE49-F238E27FC236}">
+                <a16:creationId xmlns:a16="http://schemas.microsoft.com/office/drawing/2014/main" id="{4C662E38-8F54-C489-9928-C50660617E7E}"/>
+              </a:ext>
+            </a:extLst>
+          </p:cNvPr>
+          <p:cNvSpPr txBox="1"/>
+          <p:nvPr/>
+        </p:nvSpPr>
+        <p:spPr>
+          <a:xfrm>
+            <a:off x="114677" y="6172611"/>
+            <a:ext cx="5532120" cy="461665"/>
+          </a:xfrm>
+          <a:prstGeom prst="rect">
+            <a:avLst/>
+          </a:prstGeom>
+          <a:noFill/>
+        </p:spPr>
+        <p:txBody>
+          <a:bodyPr wrap="square">
+            <a:spAutoFit/>
+          </a:bodyPr>
+          <a:lstStyle/>
+          <a:p>
+            <a:pPr algn="l"/>
+            <a:r>
+              <a:rPr lang="th-TH" sz="2400" dirty="0">
+                <a:latin typeface="TH SarabunPSK" panose="020B0500040200020003" pitchFamily="34" charset="-34"/>
+                <a:cs typeface="TH SarabunPSK" panose="020B0500040200020003" pitchFamily="34" charset="-34"/>
+              </a:rPr>
+              <a:t>โดย ผศ</a:t>
+            </a:r>
+            <a:r>
+              <a:rPr lang="en-US" sz="2400" dirty="0">
+                <a:latin typeface="TH SarabunPSK" panose="020B0500040200020003" pitchFamily="34" charset="-34"/>
+                <a:cs typeface="TH SarabunPSK" panose="020B0500040200020003" pitchFamily="34" charset="-34"/>
+              </a:rPr>
+              <a:t>. </a:t>
+            </a:r>
+            <a:r>
+              <a:rPr lang="th-TH" sz="2400" dirty="0">
+                <a:latin typeface="TH SarabunPSK" panose="020B0500040200020003" pitchFamily="34" charset="-34"/>
+                <a:cs typeface="TH SarabunPSK" panose="020B0500040200020003" pitchFamily="34" charset="-34"/>
+              </a:rPr>
+              <a:t>ดร</a:t>
+            </a:r>
+            <a:r>
+              <a:rPr lang="en-US" sz="2400" dirty="0">
+                <a:latin typeface="TH SarabunPSK" panose="020B0500040200020003" pitchFamily="34" charset="-34"/>
+                <a:cs typeface="TH SarabunPSK" panose="020B0500040200020003" pitchFamily="34" charset="-34"/>
+              </a:rPr>
+              <a:t>.</a:t>
+            </a:r>
+            <a:r>
+              <a:rPr lang="th-TH" sz="2400" dirty="0">
+                <a:latin typeface="TH SarabunPSK" panose="020B0500040200020003" pitchFamily="34" charset="-34"/>
+                <a:cs typeface="TH SarabunPSK" panose="020B0500040200020003" pitchFamily="34" charset="-34"/>
+              </a:rPr>
+              <a:t>ธนพงศ์ อินทระ สาขาวิชาสถิติ มหาวิทยาลัยขอนแก่น </a:t>
+            </a:r>
+          </a:p>
+        </p:txBody>
+      </p:sp>
     </p:spTree>
     <p:extLst>
       <p:ext uri="{BB962C8B-B14F-4D97-AF65-F5344CB8AC3E}">
@@ -5571,6 +5643,73 @@
           </a:prstGeom>
         </p:spPr>
       </p:pic>
+      <p:sp>
+        <p:nvSpPr>
+          <p:cNvPr id="10" name="TextBox 9">
+            <a:extLst>
+              <a:ext uri="{FF2B5EF4-FFF2-40B4-BE49-F238E27FC236}">
+                <a16:creationId xmlns:a16="http://schemas.microsoft.com/office/drawing/2014/main" id="{0B94695B-C5D9-5DA9-E169-D58BC812B893}"/>
+              </a:ext>
+            </a:extLst>
+          </p:cNvPr>
+          <p:cNvSpPr txBox="1"/>
+          <p:nvPr/>
+        </p:nvSpPr>
+        <p:spPr>
+          <a:xfrm>
+            <a:off x="114677" y="6172611"/>
+            <a:ext cx="5532120" cy="461665"/>
+          </a:xfrm>
+          <a:prstGeom prst="rect">
+            <a:avLst/>
+          </a:prstGeom>
+          <a:noFill/>
+        </p:spPr>
+        <p:txBody>
+          <a:bodyPr wrap="square">
+            <a:spAutoFit/>
+          </a:bodyPr>
+          <a:lstStyle/>
+          <a:p>
+            <a:pPr algn="l"/>
+            <a:r>
+              <a:rPr lang="th-TH" sz="2400" dirty="0">
+                <a:latin typeface="TH SarabunPSK" panose="020B0500040200020003" pitchFamily="34" charset="-34"/>
+                <a:cs typeface="TH SarabunPSK" panose="020B0500040200020003" pitchFamily="34" charset="-34"/>
+              </a:rPr>
+              <a:t>โดย ผศ</a:t>
+            </a:r>
+            <a:r>
+              <a:rPr lang="en-US" sz="2400" dirty="0">
+                <a:latin typeface="TH SarabunPSK" panose="020B0500040200020003" pitchFamily="34" charset="-34"/>
+                <a:cs typeface="TH SarabunPSK" panose="020B0500040200020003" pitchFamily="34" charset="-34"/>
+              </a:rPr>
+              <a:t>. </a:t>
+            </a:r>
+            <a:r>
+              <a:rPr lang="th-TH" sz="2400" dirty="0">
+                <a:latin typeface="TH SarabunPSK" panose="020B0500040200020003" pitchFamily="34" charset="-34"/>
+                <a:cs typeface="TH SarabunPSK" panose="020B0500040200020003" pitchFamily="34" charset="-34"/>
+              </a:rPr>
+              <a:t>ดร</a:t>
+            </a:r>
+            <a:r>
+              <a:rPr lang="en-US" sz="2400" dirty="0">
+                <a:latin typeface="TH SarabunPSK" panose="020B0500040200020003" pitchFamily="34" charset="-34"/>
+                <a:cs typeface="TH SarabunPSK" panose="020B0500040200020003" pitchFamily="34" charset="-34"/>
+              </a:rPr>
+              <a:t>.</a:t>
+            </a:r>
+            <a:r>
+              <a:rPr lang="th-TH" sz="2400" dirty="0">
+                <a:latin typeface="TH SarabunPSK" panose="020B0500040200020003" pitchFamily="34" charset="-34"/>
+                <a:cs typeface="TH SarabunPSK" panose="020B0500040200020003" pitchFamily="34" charset="-34"/>
+              </a:rPr>
+              <a:t>ธนพงศ์ อินทระ สาขาวิชาสถิติ มหาวิทยาลัยขอนแก่น </a:t>
+            </a:r>
+          </a:p>
+        </p:txBody>
+      </p:sp>
     </p:spTree>
     <p:extLst>
       <p:ext uri="{BB962C8B-B14F-4D97-AF65-F5344CB8AC3E}">
@@ -6300,6 +6439,73 @@
           </a:prstGeom>
         </p:spPr>
       </p:pic>
+      <p:sp>
+        <p:nvSpPr>
+          <p:cNvPr id="10" name="TextBox 9">
+            <a:extLst>
+              <a:ext uri="{FF2B5EF4-FFF2-40B4-BE49-F238E27FC236}">
+                <a16:creationId xmlns:a16="http://schemas.microsoft.com/office/drawing/2014/main" id="{41648A79-ABF6-7F8A-0C40-B15F0C92B0CE}"/>
+              </a:ext>
+            </a:extLst>
+          </p:cNvPr>
+          <p:cNvSpPr txBox="1"/>
+          <p:nvPr/>
+        </p:nvSpPr>
+        <p:spPr>
+          <a:xfrm>
+            <a:off x="114677" y="6172611"/>
+            <a:ext cx="5532120" cy="461665"/>
+          </a:xfrm>
+          <a:prstGeom prst="rect">
+            <a:avLst/>
+          </a:prstGeom>
+          <a:noFill/>
+        </p:spPr>
+        <p:txBody>
+          <a:bodyPr wrap="square">
+            <a:spAutoFit/>
+          </a:bodyPr>
+          <a:lstStyle/>
+          <a:p>
+            <a:pPr algn="l"/>
+            <a:r>
+              <a:rPr lang="th-TH" sz="2400" dirty="0">
+                <a:latin typeface="TH SarabunPSK" panose="020B0500040200020003" pitchFamily="34" charset="-34"/>
+                <a:cs typeface="TH SarabunPSK" panose="020B0500040200020003" pitchFamily="34" charset="-34"/>
+              </a:rPr>
+              <a:t>โดย ผศ</a:t>
+            </a:r>
+            <a:r>
+              <a:rPr lang="en-US" sz="2400" dirty="0">
+                <a:latin typeface="TH SarabunPSK" panose="020B0500040200020003" pitchFamily="34" charset="-34"/>
+                <a:cs typeface="TH SarabunPSK" panose="020B0500040200020003" pitchFamily="34" charset="-34"/>
+              </a:rPr>
+              <a:t>. </a:t>
+            </a:r>
+            <a:r>
+              <a:rPr lang="th-TH" sz="2400" dirty="0">
+                <a:latin typeface="TH SarabunPSK" panose="020B0500040200020003" pitchFamily="34" charset="-34"/>
+                <a:cs typeface="TH SarabunPSK" panose="020B0500040200020003" pitchFamily="34" charset="-34"/>
+              </a:rPr>
+              <a:t>ดร</a:t>
+            </a:r>
+            <a:r>
+              <a:rPr lang="en-US" sz="2400" dirty="0">
+                <a:latin typeface="TH SarabunPSK" panose="020B0500040200020003" pitchFamily="34" charset="-34"/>
+                <a:cs typeface="TH SarabunPSK" panose="020B0500040200020003" pitchFamily="34" charset="-34"/>
+              </a:rPr>
+              <a:t>.</a:t>
+            </a:r>
+            <a:r>
+              <a:rPr lang="th-TH" sz="2400" dirty="0">
+                <a:latin typeface="TH SarabunPSK" panose="020B0500040200020003" pitchFamily="34" charset="-34"/>
+                <a:cs typeface="TH SarabunPSK" panose="020B0500040200020003" pitchFamily="34" charset="-34"/>
+              </a:rPr>
+              <a:t>ธนพงศ์ อินทระ สาขาวิชาสถิติ มหาวิทยาลัยขอนแก่น </a:t>
+            </a:r>
+          </a:p>
+        </p:txBody>
+      </p:sp>
     </p:spTree>
     <p:extLst>
       <p:ext uri="{BB962C8B-B14F-4D97-AF65-F5344CB8AC3E}">
@@ -8049,6 +8255,73 @@
           </a:p>
         </p:txBody>
       </p:sp>
+      <p:sp>
+        <p:nvSpPr>
+          <p:cNvPr id="9" name="TextBox 8">
+            <a:extLst>
+              <a:ext uri="{FF2B5EF4-FFF2-40B4-BE49-F238E27FC236}">
+                <a16:creationId xmlns:a16="http://schemas.microsoft.com/office/drawing/2014/main" id="{72F33DD5-8FBF-5919-1D04-53B479CA6AD1}"/>
+              </a:ext>
+            </a:extLst>
+          </p:cNvPr>
+          <p:cNvSpPr txBox="1"/>
+          <p:nvPr/>
+        </p:nvSpPr>
+        <p:spPr>
+          <a:xfrm>
+            <a:off x="114677" y="6172611"/>
+            <a:ext cx="5532120" cy="461665"/>
+          </a:xfrm>
+          <a:prstGeom prst="rect">
+            <a:avLst/>
+          </a:prstGeom>
+          <a:noFill/>
+        </p:spPr>
+        <p:txBody>
+          <a:bodyPr wrap="square">
+            <a:spAutoFit/>
+          </a:bodyPr>
+          <a:lstStyle/>
+          <a:p>
+            <a:pPr algn="l"/>
+            <a:r>
+              <a:rPr lang="th-TH" sz="2400" dirty="0">
+                <a:latin typeface="TH SarabunPSK" panose="020B0500040200020003" pitchFamily="34" charset="-34"/>
+                <a:cs typeface="TH SarabunPSK" panose="020B0500040200020003" pitchFamily="34" charset="-34"/>
+              </a:rPr>
+              <a:t>โดย ผศ</a:t>
+            </a:r>
+            <a:r>
+              <a:rPr lang="en-US" sz="2400" dirty="0">
+                <a:latin typeface="TH SarabunPSK" panose="020B0500040200020003" pitchFamily="34" charset="-34"/>
+                <a:cs typeface="TH SarabunPSK" panose="020B0500040200020003" pitchFamily="34" charset="-34"/>
+              </a:rPr>
+              <a:t>. </a:t>
+            </a:r>
+            <a:r>
+              <a:rPr lang="th-TH" sz="2400" dirty="0">
+                <a:latin typeface="TH SarabunPSK" panose="020B0500040200020003" pitchFamily="34" charset="-34"/>
+                <a:cs typeface="TH SarabunPSK" panose="020B0500040200020003" pitchFamily="34" charset="-34"/>
+              </a:rPr>
+              <a:t>ดร</a:t>
+            </a:r>
+            <a:r>
+              <a:rPr lang="en-US" sz="2400" dirty="0">
+                <a:latin typeface="TH SarabunPSK" panose="020B0500040200020003" pitchFamily="34" charset="-34"/>
+                <a:cs typeface="TH SarabunPSK" panose="020B0500040200020003" pitchFamily="34" charset="-34"/>
+              </a:rPr>
+              <a:t>.</a:t>
+            </a:r>
+            <a:r>
+              <a:rPr lang="th-TH" sz="2400" dirty="0">
+                <a:latin typeface="TH SarabunPSK" panose="020B0500040200020003" pitchFamily="34" charset="-34"/>
+                <a:cs typeface="TH SarabunPSK" panose="020B0500040200020003" pitchFamily="34" charset="-34"/>
+              </a:rPr>
+              <a:t>ธนพงศ์ อินทระ สาขาวิชาสถิติ มหาวิทยาลัยขอนแก่น </a:t>
+            </a:r>
+          </a:p>
+        </p:txBody>
+      </p:sp>
     </p:spTree>
     <p:extLst>
       <p:ext uri="{BB962C8B-B14F-4D97-AF65-F5344CB8AC3E}">
@@ -8544,6 +8817,73 @@
           </a:prstGeom>
         </p:spPr>
       </p:pic>
+      <p:sp>
+        <p:nvSpPr>
+          <p:cNvPr id="9" name="TextBox 8">
+            <a:extLst>
+              <a:ext uri="{FF2B5EF4-FFF2-40B4-BE49-F238E27FC236}">
+                <a16:creationId xmlns:a16="http://schemas.microsoft.com/office/drawing/2014/main" id="{AF292AA9-4965-C7CF-577F-B27DC1AE1D75}"/>
+              </a:ext>
+            </a:extLst>
+          </p:cNvPr>
+          <p:cNvSpPr txBox="1"/>
+          <p:nvPr/>
+        </p:nvSpPr>
+        <p:spPr>
+          <a:xfrm>
+            <a:off x="114677" y="6172611"/>
+            <a:ext cx="5532120" cy="461665"/>
+          </a:xfrm>
+          <a:prstGeom prst="rect">
+            <a:avLst/>
+          </a:prstGeom>
+          <a:noFill/>
+        </p:spPr>
+        <p:txBody>
+          <a:bodyPr wrap="square">
+            <a:spAutoFit/>
+          </a:bodyPr>
+          <a:lstStyle/>
+          <a:p>
+            <a:pPr algn="l"/>
+            <a:r>
+              <a:rPr lang="th-TH" sz="2400" dirty="0">
+                <a:latin typeface="TH SarabunPSK" panose="020B0500040200020003" pitchFamily="34" charset="-34"/>
+                <a:cs typeface="TH SarabunPSK" panose="020B0500040200020003" pitchFamily="34" charset="-34"/>
+              </a:rPr>
+              <a:t>โดย ผศ</a:t>
+            </a:r>
+            <a:r>
+              <a:rPr lang="en-US" sz="2400" dirty="0">
+                <a:latin typeface="TH SarabunPSK" panose="020B0500040200020003" pitchFamily="34" charset="-34"/>
+                <a:cs typeface="TH SarabunPSK" panose="020B0500040200020003" pitchFamily="34" charset="-34"/>
+              </a:rPr>
+              <a:t>. </a:t>
+            </a:r>
+            <a:r>
+              <a:rPr lang="th-TH" sz="2400" dirty="0">
+                <a:latin typeface="TH SarabunPSK" panose="020B0500040200020003" pitchFamily="34" charset="-34"/>
+                <a:cs typeface="TH SarabunPSK" panose="020B0500040200020003" pitchFamily="34" charset="-34"/>
+              </a:rPr>
+              <a:t>ดร</a:t>
+            </a:r>
+            <a:r>
+              <a:rPr lang="en-US" sz="2400" dirty="0">
+                <a:latin typeface="TH SarabunPSK" panose="020B0500040200020003" pitchFamily="34" charset="-34"/>
+                <a:cs typeface="TH SarabunPSK" panose="020B0500040200020003" pitchFamily="34" charset="-34"/>
+              </a:rPr>
+              <a:t>.</a:t>
+            </a:r>
+            <a:r>
+              <a:rPr lang="th-TH" sz="2400" dirty="0">
+                <a:latin typeface="TH SarabunPSK" panose="020B0500040200020003" pitchFamily="34" charset="-34"/>
+                <a:cs typeface="TH SarabunPSK" panose="020B0500040200020003" pitchFamily="34" charset="-34"/>
+              </a:rPr>
+              <a:t>ธนพงศ์ อินทระ สาขาวิชาสถิติ มหาวิทยาลัยขอนแก่น </a:t>
+            </a:r>
+          </a:p>
+        </p:txBody>
+      </p:sp>
     </p:spTree>
     <p:extLst>
       <p:ext uri="{BB962C8B-B14F-4D97-AF65-F5344CB8AC3E}">
@@ -9138,6 +9478,73 @@
           </a:prstGeom>
         </p:spPr>
       </p:pic>
+      <p:sp>
+        <p:nvSpPr>
+          <p:cNvPr id="10" name="TextBox 9">
+            <a:extLst>
+              <a:ext uri="{FF2B5EF4-FFF2-40B4-BE49-F238E27FC236}">
+                <a16:creationId xmlns:a16="http://schemas.microsoft.com/office/drawing/2014/main" id="{391E5A73-408A-F842-5D67-9A1AFBCFE618}"/>
+              </a:ext>
+            </a:extLst>
+          </p:cNvPr>
+          <p:cNvSpPr txBox="1"/>
+          <p:nvPr/>
+        </p:nvSpPr>
+        <p:spPr>
+          <a:xfrm>
+            <a:off x="114677" y="6172611"/>
+            <a:ext cx="5532120" cy="461665"/>
+          </a:xfrm>
+          <a:prstGeom prst="rect">
+            <a:avLst/>
+          </a:prstGeom>
+          <a:noFill/>
+        </p:spPr>
+        <p:txBody>
+          <a:bodyPr wrap="square">
+            <a:spAutoFit/>
+          </a:bodyPr>
+          <a:lstStyle/>
+          <a:p>
+            <a:pPr algn="l"/>
+            <a:r>
+              <a:rPr lang="th-TH" sz="2400" dirty="0">
+                <a:latin typeface="TH SarabunPSK" panose="020B0500040200020003" pitchFamily="34" charset="-34"/>
+                <a:cs typeface="TH SarabunPSK" panose="020B0500040200020003" pitchFamily="34" charset="-34"/>
+              </a:rPr>
+              <a:t>โดย ผศ</a:t>
+            </a:r>
+            <a:r>
+              <a:rPr lang="en-US" sz="2400" dirty="0">
+                <a:latin typeface="TH SarabunPSK" panose="020B0500040200020003" pitchFamily="34" charset="-34"/>
+                <a:cs typeface="TH SarabunPSK" panose="020B0500040200020003" pitchFamily="34" charset="-34"/>
+              </a:rPr>
+              <a:t>. </a:t>
+            </a:r>
+            <a:r>
+              <a:rPr lang="th-TH" sz="2400" dirty="0">
+                <a:latin typeface="TH SarabunPSK" panose="020B0500040200020003" pitchFamily="34" charset="-34"/>
+                <a:cs typeface="TH SarabunPSK" panose="020B0500040200020003" pitchFamily="34" charset="-34"/>
+              </a:rPr>
+              <a:t>ดร</a:t>
+            </a:r>
+            <a:r>
+              <a:rPr lang="en-US" sz="2400" dirty="0">
+                <a:latin typeface="TH SarabunPSK" panose="020B0500040200020003" pitchFamily="34" charset="-34"/>
+                <a:cs typeface="TH SarabunPSK" panose="020B0500040200020003" pitchFamily="34" charset="-34"/>
+              </a:rPr>
+              <a:t>.</a:t>
+            </a:r>
+            <a:r>
+              <a:rPr lang="th-TH" sz="2400" dirty="0">
+                <a:latin typeface="TH SarabunPSK" panose="020B0500040200020003" pitchFamily="34" charset="-34"/>
+                <a:cs typeface="TH SarabunPSK" panose="020B0500040200020003" pitchFamily="34" charset="-34"/>
+              </a:rPr>
+              <a:t>ธนพงศ์ อินทระ สาขาวิชาสถิติ มหาวิทยาลัยขอนแก่น </a:t>
+            </a:r>
+          </a:p>
+        </p:txBody>
+      </p:sp>
     </p:spTree>
     <p:extLst>
       <p:ext uri="{BB962C8B-B14F-4D97-AF65-F5344CB8AC3E}">
@@ -11168,6 +11575,73 @@
           </a:p>
         </p:txBody>
       </p:sp>
+      <p:sp>
+        <p:nvSpPr>
+          <p:cNvPr id="9" name="TextBox 8">
+            <a:extLst>
+              <a:ext uri="{FF2B5EF4-FFF2-40B4-BE49-F238E27FC236}">
+                <a16:creationId xmlns:a16="http://schemas.microsoft.com/office/drawing/2014/main" id="{09DEA5EC-EA89-C6E7-D29A-F284391D7DDF}"/>
+              </a:ext>
+            </a:extLst>
+          </p:cNvPr>
+          <p:cNvSpPr txBox="1"/>
+          <p:nvPr/>
+        </p:nvSpPr>
+        <p:spPr>
+          <a:xfrm>
+            <a:off x="114677" y="6172611"/>
+            <a:ext cx="5532120" cy="461665"/>
+          </a:xfrm>
+          <a:prstGeom prst="rect">
+            <a:avLst/>
+          </a:prstGeom>
+          <a:noFill/>
+        </p:spPr>
+        <p:txBody>
+          <a:bodyPr wrap="square">
+            <a:spAutoFit/>
+          </a:bodyPr>
+          <a:lstStyle/>
+          <a:p>
+            <a:pPr algn="l"/>
+            <a:r>
+              <a:rPr lang="th-TH" sz="2400" dirty="0">
+                <a:latin typeface="TH SarabunPSK" panose="020B0500040200020003" pitchFamily="34" charset="-34"/>
+                <a:cs typeface="TH SarabunPSK" panose="020B0500040200020003" pitchFamily="34" charset="-34"/>
+              </a:rPr>
+              <a:t>โดย ผศ</a:t>
+            </a:r>
+            <a:r>
+              <a:rPr lang="en-US" sz="2400" dirty="0">
+                <a:latin typeface="TH SarabunPSK" panose="020B0500040200020003" pitchFamily="34" charset="-34"/>
+                <a:cs typeface="TH SarabunPSK" panose="020B0500040200020003" pitchFamily="34" charset="-34"/>
+              </a:rPr>
+              <a:t>. </a:t>
+            </a:r>
+            <a:r>
+              <a:rPr lang="th-TH" sz="2400" dirty="0">
+                <a:latin typeface="TH SarabunPSK" panose="020B0500040200020003" pitchFamily="34" charset="-34"/>
+                <a:cs typeface="TH SarabunPSK" panose="020B0500040200020003" pitchFamily="34" charset="-34"/>
+              </a:rPr>
+              <a:t>ดร</a:t>
+            </a:r>
+            <a:r>
+              <a:rPr lang="en-US" sz="2400" dirty="0">
+                <a:latin typeface="TH SarabunPSK" panose="020B0500040200020003" pitchFamily="34" charset="-34"/>
+                <a:cs typeface="TH SarabunPSK" panose="020B0500040200020003" pitchFamily="34" charset="-34"/>
+              </a:rPr>
+              <a:t>.</a:t>
+            </a:r>
+            <a:r>
+              <a:rPr lang="th-TH" sz="2400" dirty="0">
+                <a:latin typeface="TH SarabunPSK" panose="020B0500040200020003" pitchFamily="34" charset="-34"/>
+                <a:cs typeface="TH SarabunPSK" panose="020B0500040200020003" pitchFamily="34" charset="-34"/>
+              </a:rPr>
+              <a:t>ธนพงศ์ อินทระ สาขาวิชาสถิติ มหาวิทยาลัยขอนแก่น </a:t>
+            </a:r>
+          </a:p>
+        </p:txBody>
+      </p:sp>
     </p:spTree>
     <p:extLst>
       <p:ext uri="{BB962C8B-B14F-4D97-AF65-F5344CB8AC3E}">
@@ -11642,6 +12116,73 @@
           </a:prstGeom>
         </p:spPr>
       </p:pic>
+      <p:sp>
+        <p:nvSpPr>
+          <p:cNvPr id="9" name="TextBox 8">
+            <a:extLst>
+              <a:ext uri="{FF2B5EF4-FFF2-40B4-BE49-F238E27FC236}">
+                <a16:creationId xmlns:a16="http://schemas.microsoft.com/office/drawing/2014/main" id="{8B63A348-B925-7004-3710-95DB37705DC6}"/>
+              </a:ext>
+            </a:extLst>
+          </p:cNvPr>
+          <p:cNvSpPr txBox="1"/>
+          <p:nvPr/>
+        </p:nvSpPr>
+        <p:spPr>
+          <a:xfrm>
+            <a:off x="114677" y="6172611"/>
+            <a:ext cx="5532120" cy="461665"/>
+          </a:xfrm>
+          <a:prstGeom prst="rect">
+            <a:avLst/>
+          </a:prstGeom>
+          <a:noFill/>
+        </p:spPr>
+        <p:txBody>
+          <a:bodyPr wrap="square">
+            <a:spAutoFit/>
+          </a:bodyPr>
+          <a:lstStyle/>
+          <a:p>
+            <a:pPr algn="l"/>
+            <a:r>
+              <a:rPr lang="th-TH" sz="2400" dirty="0">
+                <a:latin typeface="TH SarabunPSK" panose="020B0500040200020003" pitchFamily="34" charset="-34"/>
+                <a:cs typeface="TH SarabunPSK" panose="020B0500040200020003" pitchFamily="34" charset="-34"/>
+              </a:rPr>
+              <a:t>โดย ผศ</a:t>
+            </a:r>
+            <a:r>
+              <a:rPr lang="en-US" sz="2400" dirty="0">
+                <a:latin typeface="TH SarabunPSK" panose="020B0500040200020003" pitchFamily="34" charset="-34"/>
+                <a:cs typeface="TH SarabunPSK" panose="020B0500040200020003" pitchFamily="34" charset="-34"/>
+              </a:rPr>
+              <a:t>. </a:t>
+            </a:r>
+            <a:r>
+              <a:rPr lang="th-TH" sz="2400" dirty="0">
+                <a:latin typeface="TH SarabunPSK" panose="020B0500040200020003" pitchFamily="34" charset="-34"/>
+                <a:cs typeface="TH SarabunPSK" panose="020B0500040200020003" pitchFamily="34" charset="-34"/>
+              </a:rPr>
+              <a:t>ดร</a:t>
+            </a:r>
+            <a:r>
+              <a:rPr lang="en-US" sz="2400" dirty="0">
+                <a:latin typeface="TH SarabunPSK" panose="020B0500040200020003" pitchFamily="34" charset="-34"/>
+                <a:cs typeface="TH SarabunPSK" panose="020B0500040200020003" pitchFamily="34" charset="-34"/>
+              </a:rPr>
+              <a:t>.</a:t>
+            </a:r>
+            <a:r>
+              <a:rPr lang="th-TH" sz="2400" dirty="0">
+                <a:latin typeface="TH SarabunPSK" panose="020B0500040200020003" pitchFamily="34" charset="-34"/>
+                <a:cs typeface="TH SarabunPSK" panose="020B0500040200020003" pitchFamily="34" charset="-34"/>
+              </a:rPr>
+              <a:t>ธนพงศ์ อินทระ สาขาวิชาสถิติ มหาวิทยาลัยขอนแก่น </a:t>
+            </a:r>
+          </a:p>
+        </p:txBody>
+      </p:sp>
     </p:spTree>
     <p:extLst>
       <p:ext uri="{BB962C8B-B14F-4D97-AF65-F5344CB8AC3E}">
@@ -13550,6 +14091,73 @@
           </a:p>
         </p:txBody>
       </p:sp>
+      <p:sp>
+        <p:nvSpPr>
+          <p:cNvPr id="9" name="TextBox 8">
+            <a:extLst>
+              <a:ext uri="{FF2B5EF4-FFF2-40B4-BE49-F238E27FC236}">
+                <a16:creationId xmlns:a16="http://schemas.microsoft.com/office/drawing/2014/main" id="{B5515925-F004-8ECD-66D3-9A3242512C48}"/>
+              </a:ext>
+            </a:extLst>
+          </p:cNvPr>
+          <p:cNvSpPr txBox="1"/>
+          <p:nvPr/>
+        </p:nvSpPr>
+        <p:spPr>
+          <a:xfrm>
+            <a:off x="114677" y="6172611"/>
+            <a:ext cx="5532120" cy="461665"/>
+          </a:xfrm>
+          <a:prstGeom prst="rect">
+            <a:avLst/>
+          </a:prstGeom>
+          <a:noFill/>
+        </p:spPr>
+        <p:txBody>
+          <a:bodyPr wrap="square">
+            <a:spAutoFit/>
+          </a:bodyPr>
+          <a:lstStyle/>
+          <a:p>
+            <a:pPr algn="l"/>
+            <a:r>
+              <a:rPr lang="th-TH" sz="2400" dirty="0">
+                <a:latin typeface="TH SarabunPSK" panose="020B0500040200020003" pitchFamily="34" charset="-34"/>
+                <a:cs typeface="TH SarabunPSK" panose="020B0500040200020003" pitchFamily="34" charset="-34"/>
+              </a:rPr>
+              <a:t>โดย ผศ</a:t>
+            </a:r>
+            <a:r>
+              <a:rPr lang="en-US" sz="2400" dirty="0">
+                <a:latin typeface="TH SarabunPSK" panose="020B0500040200020003" pitchFamily="34" charset="-34"/>
+                <a:cs typeface="TH SarabunPSK" panose="020B0500040200020003" pitchFamily="34" charset="-34"/>
+              </a:rPr>
+              <a:t>. </a:t>
+            </a:r>
+            <a:r>
+              <a:rPr lang="th-TH" sz="2400" dirty="0">
+                <a:latin typeface="TH SarabunPSK" panose="020B0500040200020003" pitchFamily="34" charset="-34"/>
+                <a:cs typeface="TH SarabunPSK" panose="020B0500040200020003" pitchFamily="34" charset="-34"/>
+              </a:rPr>
+              <a:t>ดร</a:t>
+            </a:r>
+            <a:r>
+              <a:rPr lang="en-US" sz="2400" dirty="0">
+                <a:latin typeface="TH SarabunPSK" panose="020B0500040200020003" pitchFamily="34" charset="-34"/>
+                <a:cs typeface="TH SarabunPSK" panose="020B0500040200020003" pitchFamily="34" charset="-34"/>
+              </a:rPr>
+              <a:t>.</a:t>
+            </a:r>
+            <a:r>
+              <a:rPr lang="th-TH" sz="2400" dirty="0">
+                <a:latin typeface="TH SarabunPSK" panose="020B0500040200020003" pitchFamily="34" charset="-34"/>
+                <a:cs typeface="TH SarabunPSK" panose="020B0500040200020003" pitchFamily="34" charset="-34"/>
+              </a:rPr>
+              <a:t>ธนพงศ์ อินทระ สาขาวิชาสถิติ มหาวิทยาลัยขอนแก่น </a:t>
+            </a:r>
+          </a:p>
+        </p:txBody>
+      </p:sp>
     </p:spTree>
     <p:extLst>
       <p:ext uri="{BB962C8B-B14F-4D97-AF65-F5344CB8AC3E}">
@@ -14038,6 +14646,73 @@
           </a:prstGeom>
         </p:spPr>
       </p:pic>
+      <p:sp>
+        <p:nvSpPr>
+          <p:cNvPr id="9" name="TextBox 8">
+            <a:extLst>
+              <a:ext uri="{FF2B5EF4-FFF2-40B4-BE49-F238E27FC236}">
+                <a16:creationId xmlns:a16="http://schemas.microsoft.com/office/drawing/2014/main" id="{EB9595A3-A0A1-09A9-92D8-567F189A0BF9}"/>
+              </a:ext>
+            </a:extLst>
+          </p:cNvPr>
+          <p:cNvSpPr txBox="1"/>
+          <p:nvPr/>
+        </p:nvSpPr>
+        <p:spPr>
+          <a:xfrm>
+            <a:off x="114677" y="6172611"/>
+            <a:ext cx="5532120" cy="461665"/>
+          </a:xfrm>
+          <a:prstGeom prst="rect">
+            <a:avLst/>
+          </a:prstGeom>
+          <a:noFill/>
+        </p:spPr>
+        <p:txBody>
+          <a:bodyPr wrap="square">
+            <a:spAutoFit/>
+          </a:bodyPr>
+          <a:lstStyle/>
+          <a:p>
+            <a:pPr algn="l"/>
+            <a:r>
+              <a:rPr lang="th-TH" sz="2400" dirty="0">
+                <a:latin typeface="TH SarabunPSK" panose="020B0500040200020003" pitchFamily="34" charset="-34"/>
+                <a:cs typeface="TH SarabunPSK" panose="020B0500040200020003" pitchFamily="34" charset="-34"/>
+              </a:rPr>
+              <a:t>โดย ผศ</a:t>
+            </a:r>
+            <a:r>
+              <a:rPr lang="en-US" sz="2400" dirty="0">
+                <a:latin typeface="TH SarabunPSK" panose="020B0500040200020003" pitchFamily="34" charset="-34"/>
+                <a:cs typeface="TH SarabunPSK" panose="020B0500040200020003" pitchFamily="34" charset="-34"/>
+              </a:rPr>
+              <a:t>. </a:t>
+            </a:r>
+            <a:r>
+              <a:rPr lang="th-TH" sz="2400" dirty="0">
+                <a:latin typeface="TH SarabunPSK" panose="020B0500040200020003" pitchFamily="34" charset="-34"/>
+                <a:cs typeface="TH SarabunPSK" panose="020B0500040200020003" pitchFamily="34" charset="-34"/>
+              </a:rPr>
+              <a:t>ดร</a:t>
+            </a:r>
+            <a:r>
+              <a:rPr lang="en-US" sz="2400" dirty="0">
+                <a:latin typeface="TH SarabunPSK" panose="020B0500040200020003" pitchFamily="34" charset="-34"/>
+                <a:cs typeface="TH SarabunPSK" panose="020B0500040200020003" pitchFamily="34" charset="-34"/>
+              </a:rPr>
+              <a:t>.</a:t>
+            </a:r>
+            <a:r>
+              <a:rPr lang="th-TH" sz="2400" dirty="0">
+                <a:latin typeface="TH SarabunPSK" panose="020B0500040200020003" pitchFamily="34" charset="-34"/>
+                <a:cs typeface="TH SarabunPSK" panose="020B0500040200020003" pitchFamily="34" charset="-34"/>
+              </a:rPr>
+              <a:t>ธนพงศ์ อินทระ สาขาวิชาสถิติ มหาวิทยาลัยขอนแก่น </a:t>
+            </a:r>
+          </a:p>
+        </p:txBody>
+      </p:sp>
     </p:spTree>
     <p:extLst>
       <p:ext uri="{BB962C8B-B14F-4D97-AF65-F5344CB8AC3E}">
@@ -14573,6 +15248,73 @@
           </a:p>
         </p:txBody>
       </p:sp>
+      <p:sp>
+        <p:nvSpPr>
+          <p:cNvPr id="9" name="TextBox 8">
+            <a:extLst>
+              <a:ext uri="{FF2B5EF4-FFF2-40B4-BE49-F238E27FC236}">
+                <a16:creationId xmlns:a16="http://schemas.microsoft.com/office/drawing/2014/main" id="{6AA4C54D-76B3-E234-6000-64801218007A}"/>
+              </a:ext>
+            </a:extLst>
+          </p:cNvPr>
+          <p:cNvSpPr txBox="1"/>
+          <p:nvPr/>
+        </p:nvSpPr>
+        <p:spPr>
+          <a:xfrm>
+            <a:off x="114677" y="6172611"/>
+            <a:ext cx="5532120" cy="461665"/>
+          </a:xfrm>
+          <a:prstGeom prst="rect">
+            <a:avLst/>
+          </a:prstGeom>
+          <a:noFill/>
+        </p:spPr>
+        <p:txBody>
+          <a:bodyPr wrap="square">
+            <a:spAutoFit/>
+          </a:bodyPr>
+          <a:lstStyle/>
+          <a:p>
+            <a:pPr algn="l"/>
+            <a:r>
+              <a:rPr lang="th-TH" sz="2400" dirty="0">
+                <a:latin typeface="TH SarabunPSK" panose="020B0500040200020003" pitchFamily="34" charset="-34"/>
+                <a:cs typeface="TH SarabunPSK" panose="020B0500040200020003" pitchFamily="34" charset="-34"/>
+              </a:rPr>
+              <a:t>โดย ผศ</a:t>
+            </a:r>
+            <a:r>
+              <a:rPr lang="en-US" sz="2400" dirty="0">
+                <a:latin typeface="TH SarabunPSK" panose="020B0500040200020003" pitchFamily="34" charset="-34"/>
+                <a:cs typeface="TH SarabunPSK" panose="020B0500040200020003" pitchFamily="34" charset="-34"/>
+              </a:rPr>
+              <a:t>. </a:t>
+            </a:r>
+            <a:r>
+              <a:rPr lang="th-TH" sz="2400" dirty="0">
+                <a:latin typeface="TH SarabunPSK" panose="020B0500040200020003" pitchFamily="34" charset="-34"/>
+                <a:cs typeface="TH SarabunPSK" panose="020B0500040200020003" pitchFamily="34" charset="-34"/>
+              </a:rPr>
+              <a:t>ดร</a:t>
+            </a:r>
+            <a:r>
+              <a:rPr lang="en-US" sz="2400" dirty="0">
+                <a:latin typeface="TH SarabunPSK" panose="020B0500040200020003" pitchFamily="34" charset="-34"/>
+                <a:cs typeface="TH SarabunPSK" panose="020B0500040200020003" pitchFamily="34" charset="-34"/>
+              </a:rPr>
+              <a:t>.</a:t>
+            </a:r>
+            <a:r>
+              <a:rPr lang="th-TH" sz="2400" dirty="0">
+                <a:latin typeface="TH SarabunPSK" panose="020B0500040200020003" pitchFamily="34" charset="-34"/>
+                <a:cs typeface="TH SarabunPSK" panose="020B0500040200020003" pitchFamily="34" charset="-34"/>
+              </a:rPr>
+              <a:t>ธนพงศ์ อินทระ สาขาวิชาสถิติ มหาวิทยาลัยขอนแก่น </a:t>
+            </a:r>
+          </a:p>
+        </p:txBody>
+      </p:sp>
     </p:spTree>
     <p:extLst>
       <p:ext uri="{BB962C8B-B14F-4D97-AF65-F5344CB8AC3E}">
@@ -15285,6 +16027,73 @@
           </a:prstGeom>
         </p:spPr>
       </p:pic>
+      <p:sp>
+        <p:nvSpPr>
+          <p:cNvPr id="10" name="TextBox 9">
+            <a:extLst>
+              <a:ext uri="{FF2B5EF4-FFF2-40B4-BE49-F238E27FC236}">
+                <a16:creationId xmlns:a16="http://schemas.microsoft.com/office/drawing/2014/main" id="{6D2AF846-5431-A77B-25B6-6FAFD916BFAC}"/>
+              </a:ext>
+            </a:extLst>
+          </p:cNvPr>
+          <p:cNvSpPr txBox="1"/>
+          <p:nvPr/>
+        </p:nvSpPr>
+        <p:spPr>
+          <a:xfrm>
+            <a:off x="114677" y="6172611"/>
+            <a:ext cx="5532120" cy="461665"/>
+          </a:xfrm>
+          <a:prstGeom prst="rect">
+            <a:avLst/>
+          </a:prstGeom>
+          <a:noFill/>
+        </p:spPr>
+        <p:txBody>
+          <a:bodyPr wrap="square">
+            <a:spAutoFit/>
+          </a:bodyPr>
+          <a:lstStyle/>
+          <a:p>
+            <a:pPr algn="l"/>
+            <a:r>
+              <a:rPr lang="th-TH" sz="2400" dirty="0">
+                <a:latin typeface="TH SarabunPSK" panose="020B0500040200020003" pitchFamily="34" charset="-34"/>
+                <a:cs typeface="TH SarabunPSK" panose="020B0500040200020003" pitchFamily="34" charset="-34"/>
+              </a:rPr>
+              <a:t>โดย ผศ</a:t>
+            </a:r>
+            <a:r>
+              <a:rPr lang="en-US" sz="2400" dirty="0">
+                <a:latin typeface="TH SarabunPSK" panose="020B0500040200020003" pitchFamily="34" charset="-34"/>
+                <a:cs typeface="TH SarabunPSK" panose="020B0500040200020003" pitchFamily="34" charset="-34"/>
+              </a:rPr>
+              <a:t>. </a:t>
+            </a:r>
+            <a:r>
+              <a:rPr lang="th-TH" sz="2400" dirty="0">
+                <a:latin typeface="TH SarabunPSK" panose="020B0500040200020003" pitchFamily="34" charset="-34"/>
+                <a:cs typeface="TH SarabunPSK" panose="020B0500040200020003" pitchFamily="34" charset="-34"/>
+              </a:rPr>
+              <a:t>ดร</a:t>
+            </a:r>
+            <a:r>
+              <a:rPr lang="en-US" sz="2400" dirty="0">
+                <a:latin typeface="TH SarabunPSK" panose="020B0500040200020003" pitchFamily="34" charset="-34"/>
+                <a:cs typeface="TH SarabunPSK" panose="020B0500040200020003" pitchFamily="34" charset="-34"/>
+              </a:rPr>
+              <a:t>.</a:t>
+            </a:r>
+            <a:r>
+              <a:rPr lang="th-TH" sz="2400" dirty="0">
+                <a:latin typeface="TH SarabunPSK" panose="020B0500040200020003" pitchFamily="34" charset="-34"/>
+                <a:cs typeface="TH SarabunPSK" panose="020B0500040200020003" pitchFamily="34" charset="-34"/>
+              </a:rPr>
+              <a:t>ธนพงศ์ อินทระ สาขาวิชาสถิติ มหาวิทยาลัยขอนแก่น </a:t>
+            </a:r>
+          </a:p>
+        </p:txBody>
+      </p:sp>
     </p:spTree>
     <p:extLst>
       <p:ext uri="{BB962C8B-B14F-4D97-AF65-F5344CB8AC3E}">
@@ -16118,6 +16927,73 @@
           </a:prstGeom>
         </p:spPr>
       </p:pic>
+      <p:sp>
+        <p:nvSpPr>
+          <p:cNvPr id="9" name="TextBox 8">
+            <a:extLst>
+              <a:ext uri="{FF2B5EF4-FFF2-40B4-BE49-F238E27FC236}">
+                <a16:creationId xmlns:a16="http://schemas.microsoft.com/office/drawing/2014/main" id="{03CCE249-3DE9-F5FA-304D-B64502C95B5E}"/>
+              </a:ext>
+            </a:extLst>
+          </p:cNvPr>
+          <p:cNvSpPr txBox="1"/>
+          <p:nvPr/>
+        </p:nvSpPr>
+        <p:spPr>
+          <a:xfrm>
+            <a:off x="114677" y="6172611"/>
+            <a:ext cx="5532120" cy="461665"/>
+          </a:xfrm>
+          <a:prstGeom prst="rect">
+            <a:avLst/>
+          </a:prstGeom>
+          <a:noFill/>
+        </p:spPr>
+        <p:txBody>
+          <a:bodyPr wrap="square">
+            <a:spAutoFit/>
+          </a:bodyPr>
+          <a:lstStyle/>
+          <a:p>
+            <a:pPr algn="l"/>
+            <a:r>
+              <a:rPr lang="th-TH" sz="2400" dirty="0">
+                <a:latin typeface="TH SarabunPSK" panose="020B0500040200020003" pitchFamily="34" charset="-34"/>
+                <a:cs typeface="TH SarabunPSK" panose="020B0500040200020003" pitchFamily="34" charset="-34"/>
+              </a:rPr>
+              <a:t>โดย ผศ</a:t>
+            </a:r>
+            <a:r>
+              <a:rPr lang="en-US" sz="2400" dirty="0">
+                <a:latin typeface="TH SarabunPSK" panose="020B0500040200020003" pitchFamily="34" charset="-34"/>
+                <a:cs typeface="TH SarabunPSK" panose="020B0500040200020003" pitchFamily="34" charset="-34"/>
+              </a:rPr>
+              <a:t>. </a:t>
+            </a:r>
+            <a:r>
+              <a:rPr lang="th-TH" sz="2400" dirty="0">
+                <a:latin typeface="TH SarabunPSK" panose="020B0500040200020003" pitchFamily="34" charset="-34"/>
+                <a:cs typeface="TH SarabunPSK" panose="020B0500040200020003" pitchFamily="34" charset="-34"/>
+              </a:rPr>
+              <a:t>ดร</a:t>
+            </a:r>
+            <a:r>
+              <a:rPr lang="en-US" sz="2400" dirty="0">
+                <a:latin typeface="TH SarabunPSK" panose="020B0500040200020003" pitchFamily="34" charset="-34"/>
+                <a:cs typeface="TH SarabunPSK" panose="020B0500040200020003" pitchFamily="34" charset="-34"/>
+              </a:rPr>
+              <a:t>.</a:t>
+            </a:r>
+            <a:r>
+              <a:rPr lang="th-TH" sz="2400" dirty="0">
+                <a:latin typeface="TH SarabunPSK" panose="020B0500040200020003" pitchFamily="34" charset="-34"/>
+                <a:cs typeface="TH SarabunPSK" panose="020B0500040200020003" pitchFamily="34" charset="-34"/>
+              </a:rPr>
+              <a:t>ธนพงศ์ อินทระ สาขาวิชาสถิติ มหาวิทยาลัยขอนแก่น </a:t>
+            </a:r>
+          </a:p>
+        </p:txBody>
+      </p:sp>
     </p:spTree>
     <p:extLst>
       <p:ext uri="{BB962C8B-B14F-4D97-AF65-F5344CB8AC3E}">
@@ -16930,6 +17806,73 @@
           </a:p>
         </p:txBody>
       </p:sp>
+      <p:sp>
+        <p:nvSpPr>
+          <p:cNvPr id="9" name="TextBox 8">
+            <a:extLst>
+              <a:ext uri="{FF2B5EF4-FFF2-40B4-BE49-F238E27FC236}">
+                <a16:creationId xmlns:a16="http://schemas.microsoft.com/office/drawing/2014/main" id="{46724434-DBD7-56C8-3311-94C67D3FD9D4}"/>
+              </a:ext>
+            </a:extLst>
+          </p:cNvPr>
+          <p:cNvSpPr txBox="1"/>
+          <p:nvPr/>
+        </p:nvSpPr>
+        <p:spPr>
+          <a:xfrm>
+            <a:off x="114677" y="6172611"/>
+            <a:ext cx="5532120" cy="461665"/>
+          </a:xfrm>
+          <a:prstGeom prst="rect">
+            <a:avLst/>
+          </a:prstGeom>
+          <a:noFill/>
+        </p:spPr>
+        <p:txBody>
+          <a:bodyPr wrap="square">
+            <a:spAutoFit/>
+          </a:bodyPr>
+          <a:lstStyle/>
+          <a:p>
+            <a:pPr algn="l"/>
+            <a:r>
+              <a:rPr lang="th-TH" sz="2400" dirty="0">
+                <a:latin typeface="TH SarabunPSK" panose="020B0500040200020003" pitchFamily="34" charset="-34"/>
+                <a:cs typeface="TH SarabunPSK" panose="020B0500040200020003" pitchFamily="34" charset="-34"/>
+              </a:rPr>
+              <a:t>โดย ผศ</a:t>
+            </a:r>
+            <a:r>
+              <a:rPr lang="en-US" sz="2400" dirty="0">
+                <a:latin typeface="TH SarabunPSK" panose="020B0500040200020003" pitchFamily="34" charset="-34"/>
+                <a:cs typeface="TH SarabunPSK" panose="020B0500040200020003" pitchFamily="34" charset="-34"/>
+              </a:rPr>
+              <a:t>. </a:t>
+            </a:r>
+            <a:r>
+              <a:rPr lang="th-TH" sz="2400" dirty="0">
+                <a:latin typeface="TH SarabunPSK" panose="020B0500040200020003" pitchFamily="34" charset="-34"/>
+                <a:cs typeface="TH SarabunPSK" panose="020B0500040200020003" pitchFamily="34" charset="-34"/>
+              </a:rPr>
+              <a:t>ดร</a:t>
+            </a:r>
+            <a:r>
+              <a:rPr lang="en-US" sz="2400" dirty="0">
+                <a:latin typeface="TH SarabunPSK" panose="020B0500040200020003" pitchFamily="34" charset="-34"/>
+                <a:cs typeface="TH SarabunPSK" panose="020B0500040200020003" pitchFamily="34" charset="-34"/>
+              </a:rPr>
+              <a:t>.</a:t>
+            </a:r>
+            <a:r>
+              <a:rPr lang="th-TH" sz="2400" dirty="0">
+                <a:latin typeface="TH SarabunPSK" panose="020B0500040200020003" pitchFamily="34" charset="-34"/>
+                <a:cs typeface="TH SarabunPSK" panose="020B0500040200020003" pitchFamily="34" charset="-34"/>
+              </a:rPr>
+              <a:t>ธนพงศ์ อินทระ สาขาวิชาสถิติ มหาวิทยาลัยขอนแก่น </a:t>
+            </a:r>
+          </a:p>
+        </p:txBody>
+      </p:sp>
     </p:spTree>
     <p:extLst>
       <p:ext uri="{BB962C8B-B14F-4D97-AF65-F5344CB8AC3E}">
@@ -18082,6 +19025,73 @@
           </a:p>
         </p:txBody>
       </p:sp>
+      <p:sp>
+        <p:nvSpPr>
+          <p:cNvPr id="9" name="TextBox 8">
+            <a:extLst>
+              <a:ext uri="{FF2B5EF4-FFF2-40B4-BE49-F238E27FC236}">
+                <a16:creationId xmlns:a16="http://schemas.microsoft.com/office/drawing/2014/main" id="{AA325C93-3D53-C99F-456A-F9CF4D16D8F9}"/>
+              </a:ext>
+            </a:extLst>
+          </p:cNvPr>
+          <p:cNvSpPr txBox="1"/>
+          <p:nvPr/>
+        </p:nvSpPr>
+        <p:spPr>
+          <a:xfrm>
+            <a:off x="114677" y="6172611"/>
+            <a:ext cx="5532120" cy="461665"/>
+          </a:xfrm>
+          <a:prstGeom prst="rect">
+            <a:avLst/>
+          </a:prstGeom>
+          <a:noFill/>
+        </p:spPr>
+        <p:txBody>
+          <a:bodyPr wrap="square">
+            <a:spAutoFit/>
+          </a:bodyPr>
+          <a:lstStyle/>
+          <a:p>
+            <a:pPr algn="l"/>
+            <a:r>
+              <a:rPr lang="th-TH" sz="2400" dirty="0">
+                <a:latin typeface="TH SarabunPSK" panose="020B0500040200020003" pitchFamily="34" charset="-34"/>
+                <a:cs typeface="TH SarabunPSK" panose="020B0500040200020003" pitchFamily="34" charset="-34"/>
+              </a:rPr>
+              <a:t>โดย ผศ</a:t>
+            </a:r>
+            <a:r>
+              <a:rPr lang="en-US" sz="2400" dirty="0">
+                <a:latin typeface="TH SarabunPSK" panose="020B0500040200020003" pitchFamily="34" charset="-34"/>
+                <a:cs typeface="TH SarabunPSK" panose="020B0500040200020003" pitchFamily="34" charset="-34"/>
+              </a:rPr>
+              <a:t>. </a:t>
+            </a:r>
+            <a:r>
+              <a:rPr lang="th-TH" sz="2400" dirty="0">
+                <a:latin typeface="TH SarabunPSK" panose="020B0500040200020003" pitchFamily="34" charset="-34"/>
+                <a:cs typeface="TH SarabunPSK" panose="020B0500040200020003" pitchFamily="34" charset="-34"/>
+              </a:rPr>
+              <a:t>ดร</a:t>
+            </a:r>
+            <a:r>
+              <a:rPr lang="en-US" sz="2400" dirty="0">
+                <a:latin typeface="TH SarabunPSK" panose="020B0500040200020003" pitchFamily="34" charset="-34"/>
+                <a:cs typeface="TH SarabunPSK" panose="020B0500040200020003" pitchFamily="34" charset="-34"/>
+              </a:rPr>
+              <a:t>.</a:t>
+            </a:r>
+            <a:r>
+              <a:rPr lang="th-TH" sz="2400" dirty="0">
+                <a:latin typeface="TH SarabunPSK" panose="020B0500040200020003" pitchFamily="34" charset="-34"/>
+                <a:cs typeface="TH SarabunPSK" panose="020B0500040200020003" pitchFamily="34" charset="-34"/>
+              </a:rPr>
+              <a:t>ธนพงศ์ อินทระ สาขาวิชาสถิติ มหาวิทยาลัยขอนแก่น </a:t>
+            </a:r>
+          </a:p>
+        </p:txBody>
+      </p:sp>
     </p:spTree>
     <p:extLst>
       <p:ext uri="{BB962C8B-B14F-4D97-AF65-F5344CB8AC3E}">
@@ -19476,6 +20486,73 @@
           </a:p>
         </p:txBody>
       </p:sp>
+      <p:sp>
+        <p:nvSpPr>
+          <p:cNvPr id="9" name="TextBox 8">
+            <a:extLst>
+              <a:ext uri="{FF2B5EF4-FFF2-40B4-BE49-F238E27FC236}">
+                <a16:creationId xmlns:a16="http://schemas.microsoft.com/office/drawing/2014/main" id="{E777A902-521E-5B4F-E213-F96F708F840F}"/>
+              </a:ext>
+            </a:extLst>
+          </p:cNvPr>
+          <p:cNvSpPr txBox="1"/>
+          <p:nvPr/>
+        </p:nvSpPr>
+        <p:spPr>
+          <a:xfrm>
+            <a:off x="114677" y="6172611"/>
+            <a:ext cx="5532120" cy="461665"/>
+          </a:xfrm>
+          <a:prstGeom prst="rect">
+            <a:avLst/>
+          </a:prstGeom>
+          <a:noFill/>
+        </p:spPr>
+        <p:txBody>
+          <a:bodyPr wrap="square">
+            <a:spAutoFit/>
+          </a:bodyPr>
+          <a:lstStyle/>
+          <a:p>
+            <a:pPr algn="l"/>
+            <a:r>
+              <a:rPr lang="th-TH" sz="2400" dirty="0">
+                <a:latin typeface="TH SarabunPSK" panose="020B0500040200020003" pitchFamily="34" charset="-34"/>
+                <a:cs typeface="TH SarabunPSK" panose="020B0500040200020003" pitchFamily="34" charset="-34"/>
+              </a:rPr>
+              <a:t>โดย ผศ</a:t>
+            </a:r>
+            <a:r>
+              <a:rPr lang="en-US" sz="2400" dirty="0">
+                <a:latin typeface="TH SarabunPSK" panose="020B0500040200020003" pitchFamily="34" charset="-34"/>
+                <a:cs typeface="TH SarabunPSK" panose="020B0500040200020003" pitchFamily="34" charset="-34"/>
+              </a:rPr>
+              <a:t>. </a:t>
+            </a:r>
+            <a:r>
+              <a:rPr lang="th-TH" sz="2400" dirty="0">
+                <a:latin typeface="TH SarabunPSK" panose="020B0500040200020003" pitchFamily="34" charset="-34"/>
+                <a:cs typeface="TH SarabunPSK" panose="020B0500040200020003" pitchFamily="34" charset="-34"/>
+              </a:rPr>
+              <a:t>ดร</a:t>
+            </a:r>
+            <a:r>
+              <a:rPr lang="en-US" sz="2400" dirty="0">
+                <a:latin typeface="TH SarabunPSK" panose="020B0500040200020003" pitchFamily="34" charset="-34"/>
+                <a:cs typeface="TH SarabunPSK" panose="020B0500040200020003" pitchFamily="34" charset="-34"/>
+              </a:rPr>
+              <a:t>.</a:t>
+            </a:r>
+            <a:r>
+              <a:rPr lang="th-TH" sz="2400" dirty="0">
+                <a:latin typeface="TH SarabunPSK" panose="020B0500040200020003" pitchFamily="34" charset="-34"/>
+                <a:cs typeface="TH SarabunPSK" panose="020B0500040200020003" pitchFamily="34" charset="-34"/>
+              </a:rPr>
+              <a:t>ธนพงศ์ อินทระ สาขาวิชาสถิติ มหาวิทยาลัยขอนแก่น </a:t>
+            </a:r>
+          </a:p>
+        </p:txBody>
+      </p:sp>
     </p:spTree>
     <p:extLst>
       <p:ext uri="{BB962C8B-B14F-4D97-AF65-F5344CB8AC3E}">
@@ -19961,6 +21038,73 @@
           </a:prstGeom>
         </p:spPr>
       </p:pic>
+      <p:sp>
+        <p:nvSpPr>
+          <p:cNvPr id="9" name="TextBox 8">
+            <a:extLst>
+              <a:ext uri="{FF2B5EF4-FFF2-40B4-BE49-F238E27FC236}">
+                <a16:creationId xmlns:a16="http://schemas.microsoft.com/office/drawing/2014/main" id="{522938BD-62C5-4145-D28F-038E1A6F1D64}"/>
+              </a:ext>
+            </a:extLst>
+          </p:cNvPr>
+          <p:cNvSpPr txBox="1"/>
+          <p:nvPr/>
+        </p:nvSpPr>
+        <p:spPr>
+          <a:xfrm>
+            <a:off x="114677" y="6172611"/>
+            <a:ext cx="5532120" cy="461665"/>
+          </a:xfrm>
+          <a:prstGeom prst="rect">
+            <a:avLst/>
+          </a:prstGeom>
+          <a:noFill/>
+        </p:spPr>
+        <p:txBody>
+          <a:bodyPr wrap="square">
+            <a:spAutoFit/>
+          </a:bodyPr>
+          <a:lstStyle/>
+          <a:p>
+            <a:pPr algn="l"/>
+            <a:r>
+              <a:rPr lang="th-TH" sz="2400" dirty="0">
+                <a:latin typeface="TH SarabunPSK" panose="020B0500040200020003" pitchFamily="34" charset="-34"/>
+                <a:cs typeface="TH SarabunPSK" panose="020B0500040200020003" pitchFamily="34" charset="-34"/>
+              </a:rPr>
+              <a:t>โดย ผศ</a:t>
+            </a:r>
+            <a:r>
+              <a:rPr lang="en-US" sz="2400" dirty="0">
+                <a:latin typeface="TH SarabunPSK" panose="020B0500040200020003" pitchFamily="34" charset="-34"/>
+                <a:cs typeface="TH SarabunPSK" panose="020B0500040200020003" pitchFamily="34" charset="-34"/>
+              </a:rPr>
+              <a:t>. </a:t>
+            </a:r>
+            <a:r>
+              <a:rPr lang="th-TH" sz="2400" dirty="0">
+                <a:latin typeface="TH SarabunPSK" panose="020B0500040200020003" pitchFamily="34" charset="-34"/>
+                <a:cs typeface="TH SarabunPSK" panose="020B0500040200020003" pitchFamily="34" charset="-34"/>
+              </a:rPr>
+              <a:t>ดร</a:t>
+            </a:r>
+            <a:r>
+              <a:rPr lang="en-US" sz="2400" dirty="0">
+                <a:latin typeface="TH SarabunPSK" panose="020B0500040200020003" pitchFamily="34" charset="-34"/>
+                <a:cs typeface="TH SarabunPSK" panose="020B0500040200020003" pitchFamily="34" charset="-34"/>
+              </a:rPr>
+              <a:t>.</a:t>
+            </a:r>
+            <a:r>
+              <a:rPr lang="th-TH" sz="2400" dirty="0">
+                <a:latin typeface="TH SarabunPSK" panose="020B0500040200020003" pitchFamily="34" charset="-34"/>
+                <a:cs typeface="TH SarabunPSK" panose="020B0500040200020003" pitchFamily="34" charset="-34"/>
+              </a:rPr>
+              <a:t>ธนพงศ์ อินทระ สาขาวิชาสถิติ มหาวิทยาลัยขอนแก่น </a:t>
+            </a:r>
+          </a:p>
+        </p:txBody>
+      </p:sp>
     </p:spTree>
     <p:extLst>
       <p:ext uri="{BB962C8B-B14F-4D97-AF65-F5344CB8AC3E}">
@@ -21047,6 +22191,73 @@
               </a:solidFill>
               <a:latin typeface="Courier New" panose="02070309020205020404" pitchFamily="49" charset="0"/>
             </a:endParaRPr>
+          </a:p>
+        </p:txBody>
+      </p:sp>
+      <p:sp>
+        <p:nvSpPr>
+          <p:cNvPr id="9" name="TextBox 8">
+            <a:extLst>
+              <a:ext uri="{FF2B5EF4-FFF2-40B4-BE49-F238E27FC236}">
+                <a16:creationId xmlns:a16="http://schemas.microsoft.com/office/drawing/2014/main" id="{B29D2252-49FA-A2D5-A001-8B5F3EA88ADC}"/>
+              </a:ext>
+            </a:extLst>
+          </p:cNvPr>
+          <p:cNvSpPr txBox="1"/>
+          <p:nvPr/>
+        </p:nvSpPr>
+        <p:spPr>
+          <a:xfrm>
+            <a:off x="114677" y="6172611"/>
+            <a:ext cx="5532120" cy="461665"/>
+          </a:xfrm>
+          <a:prstGeom prst="rect">
+            <a:avLst/>
+          </a:prstGeom>
+          <a:noFill/>
+        </p:spPr>
+        <p:txBody>
+          <a:bodyPr wrap="square">
+            <a:spAutoFit/>
+          </a:bodyPr>
+          <a:lstStyle/>
+          <a:p>
+            <a:pPr algn="l"/>
+            <a:r>
+              <a:rPr lang="th-TH" sz="2400" dirty="0">
+                <a:latin typeface="TH SarabunPSK" panose="020B0500040200020003" pitchFamily="34" charset="-34"/>
+                <a:cs typeface="TH SarabunPSK" panose="020B0500040200020003" pitchFamily="34" charset="-34"/>
+              </a:rPr>
+              <a:t>โดย ผศ</a:t>
+            </a:r>
+            <a:r>
+              <a:rPr lang="en-US" sz="2400" dirty="0">
+                <a:latin typeface="TH SarabunPSK" panose="020B0500040200020003" pitchFamily="34" charset="-34"/>
+                <a:cs typeface="TH SarabunPSK" panose="020B0500040200020003" pitchFamily="34" charset="-34"/>
+              </a:rPr>
+              <a:t>. </a:t>
+            </a:r>
+            <a:r>
+              <a:rPr lang="th-TH" sz="2400" dirty="0">
+                <a:latin typeface="TH SarabunPSK" panose="020B0500040200020003" pitchFamily="34" charset="-34"/>
+                <a:cs typeface="TH SarabunPSK" panose="020B0500040200020003" pitchFamily="34" charset="-34"/>
+              </a:rPr>
+              <a:t>ดร</a:t>
+            </a:r>
+            <a:r>
+              <a:rPr lang="en-US" sz="2400" dirty="0">
+                <a:latin typeface="TH SarabunPSK" panose="020B0500040200020003" pitchFamily="34" charset="-34"/>
+                <a:cs typeface="TH SarabunPSK" panose="020B0500040200020003" pitchFamily="34" charset="-34"/>
+              </a:rPr>
+              <a:t>.</a:t>
+            </a:r>
+            <a:r>
+              <a:rPr lang="th-TH" sz="2400" dirty="0">
+                <a:latin typeface="TH SarabunPSK" panose="020B0500040200020003" pitchFamily="34" charset="-34"/>
+                <a:cs typeface="TH SarabunPSK" panose="020B0500040200020003" pitchFamily="34" charset="-34"/>
+              </a:rPr>
+              <a:t>ธนพงศ์ อินทระ สาขาวิชาสถิติ มหาวิทยาลัยขอนแก่น </a:t>
+            </a:r>
           </a:p>
         </p:txBody>
       </p:sp>
